--- a/Xen Jakaria/Drafting Training/Google Earth Pro Edited.pptx
+++ b/Xen Jakaria/Drafting Training/Google Earth Pro Edited.pptx
@@ -5,18 +5,19 @@
     <p:sldMasterId id="2147483648" r:id="rId1"/>
   </p:sldMasterIdLst>
   <p:notesMasterIdLst>
-    <p:notesMasterId r:id="rId11"/>
+    <p:notesMasterId r:id="rId12"/>
   </p:notesMasterIdLst>
   <p:sldIdLst>
-    <p:sldId id="325" r:id="rId2"/>
-    <p:sldId id="336" r:id="rId3"/>
-    <p:sldId id="323" r:id="rId4"/>
-    <p:sldId id="337" r:id="rId5"/>
-    <p:sldId id="338" r:id="rId6"/>
-    <p:sldId id="339" r:id="rId7"/>
-    <p:sldId id="340" r:id="rId8"/>
-    <p:sldId id="341" r:id="rId9"/>
-    <p:sldId id="256" r:id="rId10"/>
+    <p:sldId id="342" r:id="rId2"/>
+    <p:sldId id="325" r:id="rId3"/>
+    <p:sldId id="336" r:id="rId4"/>
+    <p:sldId id="323" r:id="rId5"/>
+    <p:sldId id="337" r:id="rId6"/>
+    <p:sldId id="338" r:id="rId7"/>
+    <p:sldId id="339" r:id="rId8"/>
+    <p:sldId id="340" r:id="rId9"/>
+    <p:sldId id="341" r:id="rId10"/>
+    <p:sldId id="256" r:id="rId11"/>
   </p:sldIdLst>
   <p:sldSz cx="12192000" cy="6858000"/>
   <p:notesSz cx="6858000" cy="9144000"/>
@@ -3734,6 +3735,104 @@
 <file path=ppt/slides/slide1.xml><?xml version="1.0" encoding="utf-8"?>
 <p:sld xmlns:a="http://schemas.openxmlformats.org/drawingml/2006/main" xmlns:r="http://schemas.openxmlformats.org/officeDocument/2006/relationships" xmlns:p="http://schemas.openxmlformats.org/presentationml/2006/main">
   <p:cSld>
+    <p:spTree>
+      <p:nvGrpSpPr>
+        <p:cNvPr id="1" name=""/>
+        <p:cNvGrpSpPr/>
+        <p:nvPr/>
+      </p:nvGrpSpPr>
+      <p:grpSpPr>
+        <a:xfrm>
+          <a:off x="0" y="0"/>
+          <a:ext cx="0" cy="0"/>
+          <a:chOff x="0" y="0"/>
+          <a:chExt cx="0" cy="0"/>
+        </a:xfrm>
+      </p:grpSpPr>
+      <p:sp>
+        <p:nvSpPr>
+          <p:cNvPr id="2" name="Title 1">
+            <a:extLst>
+              <a:ext uri="{FF2B5EF4-FFF2-40B4-BE49-F238E27FC236}">
+                <a16:creationId xmlns:a16="http://schemas.microsoft.com/office/drawing/2014/main" id="{256F5D84-C7F5-BDC6-B07E-495595845A9C}"/>
+              </a:ext>
+            </a:extLst>
+          </p:cNvPr>
+          <p:cNvSpPr>
+            <a:spLocks noGrp="1"/>
+          </p:cNvSpPr>
+          <p:nvPr>
+            <p:ph type="title"/>
+          </p:nvPr>
+        </p:nvSpPr>
+        <p:spPr>
+          <a:xfrm>
+            <a:off x="496111" y="365126"/>
+            <a:ext cx="11468910" cy="529820"/>
+          </a:xfrm>
+        </p:spPr>
+        <p:txBody>
+          <a:bodyPr>
+            <a:noAutofit/>
+          </a:bodyPr>
+          <a:lstStyle/>
+          <a:p>
+            <a:r>
+              <a:rPr lang="en-US" sz="2800" dirty="0"/>
+              <a:t>Khal Drafting</a:t>
+            </a:r>
+          </a:p>
+        </p:txBody>
+      </p:sp>
+      <p:sp>
+        <p:nvSpPr>
+          <p:cNvPr id="3" name="Content Placeholder 2">
+            <a:extLst>
+              <a:ext uri="{FF2B5EF4-FFF2-40B4-BE49-F238E27FC236}">
+                <a16:creationId xmlns:a16="http://schemas.microsoft.com/office/drawing/2014/main" id="{97ACA091-D830-C2B9-C2AF-8329CD6EB81A}"/>
+              </a:ext>
+            </a:extLst>
+          </p:cNvPr>
+          <p:cNvSpPr>
+            <a:spLocks noGrp="1"/>
+          </p:cNvSpPr>
+          <p:nvPr>
+            <p:ph idx="1"/>
+          </p:nvPr>
+        </p:nvSpPr>
+        <p:spPr>
+          <a:xfrm>
+            <a:off x="496111" y="894946"/>
+            <a:ext cx="11371634" cy="5597928"/>
+          </a:xfrm>
+        </p:spPr>
+        <p:txBody>
+          <a:bodyPr/>
+          <a:lstStyle/>
+          <a:p>
+            <a:pPr marL="0" indent="0">
+              <a:buNone/>
+            </a:pPr>
+            <a:endParaRPr lang="en-US" dirty="0"/>
+          </a:p>
+        </p:txBody>
+      </p:sp>
+    </p:spTree>
+    <p:extLst>
+      <p:ext uri="{BB962C8B-B14F-4D97-AF65-F5344CB8AC3E}">
+        <p14:creationId xmlns:p14="http://schemas.microsoft.com/office/powerpoint/2010/main" val="986066459"/>
+      </p:ext>
+    </p:extLst>
+  </p:cSld>
+  <p:clrMapOvr>
+    <a:masterClrMapping/>
+  </p:clrMapOvr>
+</p:sld>
+</file>
+
+<file path=ppt/slides/slide10.xml><?xml version="1.0" encoding="utf-8"?>
+<p:sld xmlns:a="http://schemas.openxmlformats.org/drawingml/2006/main" xmlns:r="http://schemas.openxmlformats.org/officeDocument/2006/relationships" xmlns:p="http://schemas.openxmlformats.org/presentationml/2006/main">
+  <p:cSld>
     <p:bg>
       <p:bgPr>
         <a:gradFill flip="none" rotWithShape="1">
@@ -3795,8 +3894,8 @@
         </p:nvSpPr>
         <p:spPr>
           <a:xfrm>
-            <a:off x="-3035041" y="239318"/>
-            <a:ext cx="10176387" cy="538609"/>
+            <a:off x="1023296" y="2362155"/>
+            <a:ext cx="10176387" cy="1323439"/>
           </a:xfrm>
           <a:prstGeom prst="rect">
             <a:avLst/>
@@ -3811,198 +3910,14 @@
           <a:p>
             <a:pPr algn="ctr"/>
             <a:r>
-              <a:rPr lang="en-US" sz="2900" b="1" dirty="0" smtClean="0"/>
-              <a:t>Google Earth Pro:</a:t>
-            </a:r>
-            <a:endParaRPr lang="en-US" sz="2900" b="1" dirty="0"/>
-          </a:p>
-        </p:txBody>
-      </p:sp>
-      <p:sp>
-        <p:nvSpPr>
-          <p:cNvPr id="3" name="TextBox 2">
-            <a:extLst>
-              <a:ext uri="{FF2B5EF4-FFF2-40B4-BE49-F238E27FC236}">
-                <a16:creationId xmlns:a16="http://schemas.microsoft.com/office/drawing/2014/main" id="{7BA1C33C-4E41-4660-9C2D-45E686EBB735}"/>
-              </a:ext>
-            </a:extLst>
-          </p:cNvPr>
-          <p:cNvSpPr txBox="1"/>
-          <p:nvPr/>
-        </p:nvSpPr>
-        <p:spPr>
-          <a:xfrm>
-            <a:off x="603904" y="777928"/>
-            <a:ext cx="9288242" cy="6155531"/>
-          </a:xfrm>
-          <a:prstGeom prst="rect">
-            <a:avLst/>
-          </a:prstGeom>
-          <a:noFill/>
-        </p:spPr>
-        <p:txBody>
-          <a:bodyPr wrap="square" rtlCol="0">
-            <a:spAutoFit/>
-          </a:bodyPr>
-          <a:lstStyle/>
-          <a:p>
-            <a:pPr marL="285750" indent="-285750" algn="just">
-              <a:buFont typeface="Wingdings" panose="05000000000000000000" pitchFamily="2" charset="2"/>
-              <a:buChar char="q"/>
-            </a:pPr>
-            <a:r>
-              <a:rPr lang="en-US" dirty="0"/>
-              <a:t>Google Earth Pro is software provided by Google that ties extensive satellite data together into one system to visualize the earth and study various geographic aspects. It's based on projects going back decades with organizations like Keyhole and has been managed by Google since the mid-2000s. </a:t>
-            </a:r>
-            <a:endParaRPr lang="en-US" dirty="0" smtClean="0"/>
-          </a:p>
-          <a:p>
-            <a:pPr algn="just"/>
-            <a:endParaRPr lang="en-US" dirty="0" smtClean="0"/>
-          </a:p>
-          <a:p>
-            <a:pPr marL="342900" indent="-342900" algn="just">
-              <a:buFont typeface="Wingdings" panose="05000000000000000000" pitchFamily="2" charset="2"/>
-              <a:buChar char="q"/>
-            </a:pPr>
-            <a:r>
-              <a:rPr lang="en-US" sz="2000" dirty="0" smtClean="0">
-                <a:latin typeface="Arial" panose="020B0604020202020204" pitchFamily="34" charset="0"/>
-                <a:cs typeface="Arial" panose="020B0604020202020204" pitchFamily="34" charset="0"/>
+              <a:rPr lang="en-US" sz="8000" dirty="0">
+                <a:solidFill>
+                  <a:schemeClr val="accent2"/>
+                </a:solidFill>
               </a:rPr>
-              <a:t>History of Google Earth:</a:t>
-            </a:r>
-          </a:p>
-          <a:p>
-            <a:pPr algn="just"/>
-            <a:endParaRPr lang="en-US" sz="2000" dirty="0" smtClean="0">
-              <a:latin typeface="Arial" panose="020B0604020202020204" pitchFamily="34" charset="0"/>
-              <a:cs typeface="Arial" panose="020B0604020202020204" pitchFamily="34" charset="0"/>
-            </a:endParaRPr>
-          </a:p>
-          <a:p>
-            <a:pPr algn="just"/>
-            <a:r>
-              <a:rPr lang="en-US" sz="1600" dirty="0" smtClean="0"/>
-              <a:t>In </a:t>
-            </a:r>
-            <a:r>
-              <a:rPr lang="en-US" sz="1600" dirty="0"/>
-              <a:t>August 2005, Hurricane Katrina ravaged the Gulf Coast of the United States, bursting levees </a:t>
-            </a:r>
-            <a:r>
-              <a:rPr lang="en-US" sz="1600" dirty="0" smtClean="0"/>
-              <a:t>throughout         Louisiana </a:t>
-            </a:r>
-            <a:r>
-              <a:rPr lang="en-US" sz="1600" dirty="0"/>
-              <a:t>and Mississippi and submerging the streets of south Florida. According to the </a:t>
-            </a:r>
-            <a:r>
-              <a:rPr lang="en-US" sz="1600" dirty="0">
-                <a:hlinkClick r:id="rId2"/>
-              </a:rPr>
-              <a:t>National Hurricane Center</a:t>
-            </a:r>
-            <a:r>
-              <a:rPr lang="en-US" sz="1600" dirty="0"/>
-              <a:t>, it was the deadliest hurricane since </a:t>
-            </a:r>
-            <a:r>
-              <a:rPr lang="en-US" sz="1600" dirty="0" smtClean="0"/>
-              <a:t>1928. The </a:t>
-            </a:r>
-            <a:r>
-              <a:rPr lang="en-US" sz="1600" dirty="0"/>
-              <a:t>U.S. Navy, Coast Guard, and other federal relief groups deployed helicopter teams to </a:t>
-            </a:r>
-            <a:r>
-              <a:rPr lang="en-US" sz="1600" dirty="0" smtClean="0"/>
-              <a:t>res</a:t>
-            </a:r>
-          </a:p>
-          <a:p>
-            <a:pPr algn="just"/>
-            <a:endParaRPr lang="en-US" sz="1600" dirty="0"/>
-          </a:p>
-          <a:p>
-            <a:pPr algn="just"/>
-            <a:endParaRPr lang="en-US" sz="1600" dirty="0" smtClean="0"/>
-          </a:p>
-          <a:p>
-            <a:pPr algn="just"/>
-            <a:r>
-              <a:rPr lang="en-US" sz="1600" dirty="0" smtClean="0"/>
-              <a:t>cue </a:t>
-            </a:r>
-            <a:r>
-              <a:rPr lang="en-US" sz="1600" dirty="0"/>
-              <a:t>people stranded in New Orleans without the resources to escape or survive in their homes. Hurricane victims dialed 911 for urgent help at specific street addresses, but it was impossible for first responders to find them without precise GPS coordinates—street signs and house numbers were invisible beneath the deluge. </a:t>
-            </a:r>
-          </a:p>
-          <a:p>
-            <a:pPr algn="just"/>
-            <a:r>
-              <a:rPr lang="en-US" sz="1600" dirty="0"/>
-              <a:t>In California, a team from the recently minted </a:t>
-            </a:r>
-            <a:r>
-              <a:rPr lang="en-US" sz="1600" dirty="0">
-                <a:hlinkClick r:id="rId3"/>
-              </a:rPr>
-              <a:t>Google Earth</a:t>
-            </a:r>
-            <a:r>
-              <a:rPr lang="en-US" sz="1600" dirty="0"/>
-              <a:t> program launched into action, creating real-time imagery overlays of heavily affected areas on top of its existing 3D globe platform. Fly-by aerial photos </a:t>
-            </a:r>
-            <a:r>
-              <a:rPr lang="en-US" sz="1600" dirty="0" smtClean="0"/>
-              <a:t>and </a:t>
-            </a:r>
-            <a:r>
-              <a:rPr lang="en-US" sz="1600" dirty="0"/>
-              <a:t>satellite imagery </a:t>
-            </a:r>
-            <a:r>
-              <a:rPr lang="en-US" sz="1600" dirty="0" smtClean="0"/>
-              <a:t>revealed </a:t>
-            </a:r>
-            <a:r>
-              <a:rPr lang="en-US" sz="1600" dirty="0"/>
-              <a:t>the scope of the hurricane’s destruction. Google Earth made this data publicly available and responders had eyes again</a:t>
-            </a:r>
-            <a:r>
-              <a:rPr lang="en-US" sz="1600" dirty="0" smtClean="0"/>
-              <a:t>. </a:t>
-            </a:r>
-            <a:r>
-              <a:rPr lang="en-US" sz="1600" dirty="0"/>
-              <a:t>Today, Google Earth is among the most popular geospatial software in the world, boasting upward of one billion downloads</a:t>
-            </a:r>
-            <a:r>
-              <a:rPr lang="en-US" sz="1600" dirty="0" smtClean="0"/>
-              <a:t>.</a:t>
-            </a:r>
-            <a:endParaRPr lang="en-US" sz="1600" dirty="0"/>
-          </a:p>
-          <a:p>
-            <a:endParaRPr lang="en-US" sz="2000" dirty="0" smtClean="0">
-              <a:solidFill>
-                <a:schemeClr val="accent1"/>
-              </a:solidFill>
-              <a:latin typeface="Arial" panose="020B0604020202020204" pitchFamily="34" charset="0"/>
-              <a:cs typeface="Arial" panose="020B0604020202020204" pitchFamily="34" charset="0"/>
-            </a:endParaRPr>
-          </a:p>
-          <a:p>
-            <a:endParaRPr lang="en-US" sz="2000" dirty="0">
-              <a:solidFill>
-                <a:schemeClr val="accent1"/>
-              </a:solidFill>
-              <a:latin typeface="Arial" panose="020B0604020202020204" pitchFamily="34" charset="0"/>
-              <a:cs typeface="Arial" panose="020B0604020202020204" pitchFamily="34" charset="0"/>
-            </a:endParaRPr>
+              <a:t>Thank You!!!!!</a:t>
+            </a:r>
+            <a:endParaRPr lang="en-US" sz="8000" dirty="0"/>
           </a:p>
         </p:txBody>
       </p:sp>
@@ -4070,7 +3985,7 @@
           <p:nvPr/>
         </p:nvPicPr>
         <p:blipFill>
-          <a:blip r:embed="rId4"/>
+          <a:blip r:embed="rId2"/>
           <a:stretch>
             <a:fillRect/>
           </a:stretch>
@@ -4114,15 +4029,6 @@
           <a:lstStyle/>
           <a:p>
             <a:pPr algn="r"/>
-            <a:r>
-              <a:rPr lang="en-US" dirty="0" smtClean="0">
-                <a:solidFill>
-                  <a:schemeClr val="bg1"/>
-                </a:solidFill>
-                <a:latin typeface="Berlin Sans FB" panose="020E0602020502020306" pitchFamily="34" charset="0"/>
-              </a:rPr>
-              <a:t>Bangladesh </a:t>
-            </a:r>
             <a:r>
               <a:rPr lang="en-US" dirty="0">
                 <a:solidFill>
@@ -4130,7 +4036,7 @@
                 </a:solidFill>
                 <a:latin typeface="Berlin Sans FB" panose="020E0602020502020306" pitchFamily="34" charset="0"/>
               </a:rPr>
-              <a:t>Water Development Board (BWDB)</a:t>
+              <a:t>Bangladesh Water Development Board (BWDB)</a:t>
             </a:r>
           </a:p>
         </p:txBody>
@@ -4145,13 +4051,9 @@
   <p:clrMapOvr>
     <a:masterClrMapping/>
   </p:clrMapOvr>
-  <p:timing>
-    <p:tnLst>
-      <p:par>
-        <p:cTn id="1" dur="indefinite" restart="never" nodeType="tmRoot"/>
-      </p:par>
-    </p:tnLst>
-  </p:timing>
+  <p:transition>
+    <p:wipe dir="d"/>
+  </p:transition>
 </p:sld>
 </file>
 
@@ -4235,10 +4137,9 @@
           <a:p>
             <a:pPr algn="ctr"/>
             <a:r>
-              <a:rPr lang="en-US" sz="2900" b="1" dirty="0" smtClean="0"/>
-              <a:t>Google Earth Pro</a:t>
-            </a:r>
-            <a:endParaRPr lang="en-US" sz="2900" b="1" dirty="0"/>
+              <a:rPr lang="en-US" sz="2900" b="1" dirty="0"/>
+              <a:t>Google Earth Pro:</a:t>
+            </a:r>
           </a:p>
         </p:txBody>
       </p:sp>
@@ -4256,8 +4157,8 @@
         </p:nvSpPr>
         <p:spPr>
           <a:xfrm>
-            <a:off x="603903" y="777927"/>
-            <a:ext cx="9678467" cy="1692771"/>
+            <a:off x="603903" y="777928"/>
+            <a:ext cx="11032087" cy="5386090"/>
           </a:xfrm>
           <a:prstGeom prst="rect">
             <a:avLst/>
@@ -4270,50 +4171,90 @@
           </a:bodyPr>
           <a:lstStyle/>
           <a:p>
-            <a:pPr marL="285750" indent="-285750">
+            <a:pPr marL="285750" indent="-285750" algn="just">
               <a:buFont typeface="Wingdings" panose="05000000000000000000" pitchFamily="2" charset="2"/>
               <a:buChar char="q"/>
             </a:pPr>
             <a:r>
-              <a:rPr lang="en-US" sz="2000" dirty="0" smtClean="0">
+              <a:rPr lang="en-US" dirty="0"/>
+              <a:t>Google Earth Pro is software provided by Google that ties extensive satellite data together into one system to visualize the earth and study various geographic aspects. It's based on projects going back decades with organizations like Keyhole and has been managed by Google since the mid-2000s. </a:t>
+            </a:r>
+          </a:p>
+          <a:p>
+            <a:pPr algn="just"/>
+            <a:endParaRPr lang="en-US" dirty="0"/>
+          </a:p>
+          <a:p>
+            <a:pPr marL="342900" indent="-342900" algn="just">
+              <a:buFont typeface="Wingdings" panose="05000000000000000000" pitchFamily="2" charset="2"/>
+              <a:buChar char="q"/>
+            </a:pPr>
+            <a:r>
+              <a:rPr lang="en-US" sz="2000" dirty="0">
                 <a:latin typeface="Arial" panose="020B0604020202020204" pitchFamily="34" charset="0"/>
                 <a:cs typeface="Arial" panose="020B0604020202020204" pitchFamily="34" charset="0"/>
               </a:rPr>
-              <a:t>Web link to Download &amp; Installation: </a:t>
-            </a:r>
-          </a:p>
-          <a:p>
-            <a:endParaRPr lang="en-US" sz="2000" dirty="0" smtClean="0">
+              <a:t>History of Google Earth:</a:t>
+            </a:r>
+          </a:p>
+          <a:p>
+            <a:pPr algn="just"/>
+            <a:endParaRPr lang="en-US" sz="2000" dirty="0">
               <a:latin typeface="Arial" panose="020B0604020202020204" pitchFamily="34" charset="0"/>
               <a:cs typeface="Arial" panose="020B0604020202020204" pitchFamily="34" charset="0"/>
             </a:endParaRPr>
           </a:p>
           <a:p>
-            <a:pPr marL="342900" indent="-342900">
-              <a:buFont typeface="Wingdings" panose="05000000000000000000" pitchFamily="2" charset="2"/>
-              <a:buChar char="Ø"/>
-            </a:pPr>
-            <a:r>
-              <a:rPr lang="en-US" sz="2400" dirty="0" smtClean="0">
-                <a:solidFill>
-                  <a:schemeClr val="accent1"/>
-                </a:solidFill>
-                <a:latin typeface="Arial" panose="020B0604020202020204" pitchFamily="34" charset="0"/>
-                <a:cs typeface="Arial" panose="020B0604020202020204" pitchFamily="34" charset="0"/>
+            <a:pPr algn="just"/>
+            <a:r>
+              <a:rPr lang="en-US" sz="1600" dirty="0"/>
+              <a:t>In August 2005, Hurricane Katrina ravaged the Gulf Coast of the United States, bursting levees throughout         Louisiana and Mississippi and submerging the streets of south Florida. According to the </a:t>
+            </a:r>
+            <a:r>
+              <a:rPr lang="en-US" sz="1600" dirty="0">
                 <a:hlinkClick r:id="rId2"/>
               </a:rPr>
-              <a:t>https://www.google.com/earth/versions/#download-pro</a:t>
-            </a:r>
-            <a:endParaRPr lang="en-US" sz="2400" dirty="0" smtClean="0">
-              <a:solidFill>
-                <a:schemeClr val="accent1"/>
-              </a:solidFill>
-              <a:latin typeface="Arial" panose="020B0604020202020204" pitchFamily="34" charset="0"/>
-              <a:cs typeface="Arial" panose="020B0604020202020204" pitchFamily="34" charset="0"/>
-            </a:endParaRPr>
-          </a:p>
-          <a:p>
-            <a:endParaRPr lang="en-US" sz="2000" dirty="0" smtClean="0">
+              <a:t>National Hurricane Center</a:t>
+            </a:r>
+            <a:r>
+              <a:rPr lang="en-US" sz="1600" dirty="0"/>
+              <a:t>, it was the deadliest hurricane since 1928. The U.S. Navy, Coast Guard, and other federal relief groups deployed helicopter teams to res</a:t>
+            </a:r>
+          </a:p>
+          <a:p>
+            <a:pPr algn="just"/>
+            <a:endParaRPr lang="en-US" sz="1600" dirty="0"/>
+          </a:p>
+          <a:p>
+            <a:pPr algn="just"/>
+            <a:endParaRPr lang="en-US" sz="1600" dirty="0"/>
+          </a:p>
+          <a:p>
+            <a:pPr algn="just"/>
+            <a:r>
+              <a:rPr lang="en-US" sz="1600" dirty="0"/>
+              <a:t>cue people stranded in New Orleans without the resources to escape or survive in their homes. Hurricane victims dialed 911 for urgent help at specific street addresses, but it was impossible for first responders to find them without precise GPS coordinates—street signs and house numbers were invisible beneath the deluge. </a:t>
+            </a:r>
+          </a:p>
+          <a:p>
+            <a:pPr algn="just"/>
+            <a:r>
+              <a:rPr lang="en-US" sz="1600" dirty="0"/>
+              <a:t>In California, a team from the recently minted </a:t>
+            </a:r>
+            <a:r>
+              <a:rPr lang="en-US" sz="1600" dirty="0">
+                <a:hlinkClick r:id="rId3"/>
+              </a:rPr>
+              <a:t>Google Earth</a:t>
+            </a:r>
+            <a:r>
+              <a:rPr lang="en-US" sz="1600" dirty="0"/>
+              <a:t> program launched into action, creating real-time imagery overlays of heavily affected areas on top of its existing 3D globe platform. Fly-by aerial photos and satellite imagery revealed the scope of the hurricane’s destruction. Google Earth made this data publicly available and responders had eyes again. Today, Google Earth is among the most popular geospatial software in the world, boasting upward of one billion downloads.</a:t>
+            </a:r>
+          </a:p>
+          <a:p>
+            <a:endParaRPr lang="en-US" sz="2000" dirty="0">
               <a:solidFill>
                 <a:schemeClr val="accent1"/>
               </a:solidFill>
@@ -4396,7 +4337,7 @@
           <p:nvPr/>
         </p:nvPicPr>
         <p:blipFill>
-          <a:blip r:embed="rId3"/>
+          <a:blip r:embed="rId4"/>
           <a:stretch>
             <a:fillRect/>
           </a:stretch>
@@ -4440,15 +4381,6 @@
           <a:lstStyle/>
           <a:p>
             <a:pPr algn="r"/>
-            <a:r>
-              <a:rPr lang="en-US" dirty="0" smtClean="0">
-                <a:solidFill>
-                  <a:schemeClr val="bg1"/>
-                </a:solidFill>
-                <a:latin typeface="Berlin Sans FB" panose="020E0602020502020306" pitchFamily="34" charset="0"/>
-              </a:rPr>
-              <a:t>Bangladesh </a:t>
-            </a:r>
             <a:r>
               <a:rPr lang="en-US" dirty="0">
                 <a:solidFill>
@@ -4456,168 +4388,21 @@
                 </a:solidFill>
                 <a:latin typeface="Berlin Sans FB" panose="020E0602020502020306" pitchFamily="34" charset="0"/>
               </a:rPr>
-              <a:t>Water Development Board (BWDB)</a:t>
-            </a:r>
-          </a:p>
-        </p:txBody>
-      </p:sp>
-      <p:pic>
-        <p:nvPicPr>
-          <p:cNvPr id="5" name="Picture 4"/>
-          <p:cNvPicPr>
-            <a:picLocks noChangeAspect="1"/>
-          </p:cNvPicPr>
-          <p:nvPr/>
-        </p:nvPicPr>
-        <p:blipFill>
-          <a:blip r:embed="rId4">
-            <a:extLst>
-              <a:ext uri="{28A0092B-C50C-407E-A947-70E740481C1C}">
-                <a14:useLocalDpi xmlns:a14="http://schemas.microsoft.com/office/drawing/2010/main" val="0"/>
-              </a:ext>
-            </a:extLst>
-          </a:blip>
-          <a:stretch>
-            <a:fillRect/>
-          </a:stretch>
-        </p:blipFill>
-        <p:spPr>
-          <a:xfrm>
-            <a:off x="290945" y="1962725"/>
-            <a:ext cx="5374250" cy="3976997"/>
-          </a:xfrm>
-          <a:prstGeom prst="rect">
-            <a:avLst/>
-          </a:prstGeom>
-        </p:spPr>
-      </p:pic>
-      <p:pic>
-        <p:nvPicPr>
-          <p:cNvPr id="10" name="Picture 9"/>
-          <p:cNvPicPr>
-            <a:picLocks noChangeAspect="1"/>
-          </p:cNvPicPr>
-          <p:nvPr/>
-        </p:nvPicPr>
-        <p:blipFill>
-          <a:blip r:embed="rId5">
-            <a:extLst>
-              <a:ext uri="{28A0092B-C50C-407E-A947-70E740481C1C}">
-                <a14:useLocalDpi xmlns:a14="http://schemas.microsoft.com/office/drawing/2010/main" val="0"/>
-              </a:ext>
-            </a:extLst>
-          </a:blip>
-          <a:stretch>
-            <a:fillRect/>
-          </a:stretch>
-        </p:blipFill>
-        <p:spPr>
-          <a:xfrm>
-            <a:off x="5665195" y="1971485"/>
-            <a:ext cx="6232661" cy="3968238"/>
-          </a:xfrm>
-          <a:prstGeom prst="rect">
-            <a:avLst/>
-          </a:prstGeom>
-        </p:spPr>
-      </p:pic>
-      <p:sp>
-        <p:nvSpPr>
-          <p:cNvPr id="11" name="Right Arrow 10"/>
-          <p:cNvSpPr/>
-          <p:nvPr/>
-        </p:nvSpPr>
-        <p:spPr>
-          <a:xfrm>
-            <a:off x="2898741" y="5167901"/>
-            <a:ext cx="471617" cy="228823"/>
-          </a:xfrm>
-          <a:prstGeom prst="rightArrow">
-            <a:avLst/>
-          </a:prstGeom>
-        </p:spPr>
-        <p:style>
-          <a:lnRef idx="2">
-            <a:schemeClr val="accent1">
-              <a:shade val="50000"/>
-            </a:schemeClr>
-          </a:lnRef>
-          <a:fillRef idx="1">
-            <a:schemeClr val="accent1"/>
-          </a:fillRef>
-          <a:effectRef idx="0">
-            <a:schemeClr val="accent1"/>
-          </a:effectRef>
-          <a:fontRef idx="minor">
-            <a:schemeClr val="lt1"/>
-          </a:fontRef>
-        </p:style>
-        <p:txBody>
-          <a:bodyPr rtlCol="0" anchor="ctr"/>
-          <a:lstStyle/>
-          <a:p>
-            <a:pPr algn="ctr"/>
-            <a:endParaRPr lang="en-US"/>
-          </a:p>
-        </p:txBody>
-      </p:sp>
-      <p:sp>
-        <p:nvSpPr>
-          <p:cNvPr id="12" name="Right Arrow 11"/>
-          <p:cNvSpPr/>
-          <p:nvPr/>
-        </p:nvSpPr>
-        <p:spPr>
-          <a:xfrm>
-            <a:off x="6669729" y="5396724"/>
-            <a:ext cx="471617" cy="228823"/>
-          </a:xfrm>
-          <a:prstGeom prst="rightArrow">
-            <a:avLst/>
-          </a:prstGeom>
-        </p:spPr>
-        <p:style>
-          <a:lnRef idx="2">
-            <a:schemeClr val="accent1">
-              <a:shade val="50000"/>
-            </a:schemeClr>
-          </a:lnRef>
-          <a:fillRef idx="1">
-            <a:schemeClr val="accent1"/>
-          </a:fillRef>
-          <a:effectRef idx="0">
-            <a:schemeClr val="accent1"/>
-          </a:effectRef>
-          <a:fontRef idx="minor">
-            <a:schemeClr val="lt1"/>
-          </a:fontRef>
-        </p:style>
-        <p:txBody>
-          <a:bodyPr rtlCol="0" anchor="ctr"/>
-          <a:lstStyle/>
-          <a:p>
-            <a:pPr algn="ctr"/>
-            <a:endParaRPr lang="en-US"/>
+              <a:t>Bangladesh Water Development Board (BWDB)</a:t>
+            </a:r>
           </a:p>
         </p:txBody>
       </p:sp>
     </p:spTree>
     <p:extLst>
       <p:ext uri="{BB962C8B-B14F-4D97-AF65-F5344CB8AC3E}">
-        <p14:creationId xmlns:p14="http://schemas.microsoft.com/office/powerpoint/2010/main" val="2283120545"/>
+        <p14:creationId xmlns:p14="http://schemas.microsoft.com/office/powerpoint/2010/main" val="589767425"/>
       </p:ext>
     </p:extLst>
   </p:cSld>
   <p:clrMapOvr>
     <a:masterClrMapping/>
   </p:clrMapOvr>
-  <p:timing>
-    <p:tnLst>
-      <p:par>
-        <p:cTn id="1" dur="indefinite" restart="never" nodeType="tmRoot"/>
-      </p:par>
-    </p:tnLst>
-  </p:timing>
 </p:sld>
 </file>
 
@@ -4685,8 +4470,8 @@
         </p:nvSpPr>
         <p:spPr>
           <a:xfrm>
-            <a:off x="-3852458" y="235526"/>
-            <a:ext cx="10176387" cy="646331"/>
+            <a:off x="-3035041" y="239318"/>
+            <a:ext cx="10176387" cy="538609"/>
           </a:xfrm>
           <a:prstGeom prst="rect">
             <a:avLst/>
@@ -4701,10 +4486,99 @@
           <a:p>
             <a:pPr algn="ctr"/>
             <a:r>
-              <a:rPr lang="en-US" sz="3600" b="1" dirty="0" smtClean="0"/>
-              <a:t>KML File</a:t>
-            </a:r>
-            <a:endParaRPr lang="en-US" sz="2800" b="1" dirty="0"/>
+              <a:rPr lang="en-US" sz="2900" b="1" dirty="0"/>
+              <a:t>Google Earth Pro</a:t>
+            </a:r>
+          </a:p>
+        </p:txBody>
+      </p:sp>
+      <p:sp>
+        <p:nvSpPr>
+          <p:cNvPr id="3" name="TextBox 2">
+            <a:extLst>
+              <a:ext uri="{FF2B5EF4-FFF2-40B4-BE49-F238E27FC236}">
+                <a16:creationId xmlns:a16="http://schemas.microsoft.com/office/drawing/2014/main" id="{7BA1C33C-4E41-4660-9C2D-45E686EBB735}"/>
+              </a:ext>
+            </a:extLst>
+          </p:cNvPr>
+          <p:cNvSpPr txBox="1"/>
+          <p:nvPr/>
+        </p:nvSpPr>
+        <p:spPr>
+          <a:xfrm>
+            <a:off x="603903" y="777927"/>
+            <a:ext cx="9678467" cy="1692771"/>
+          </a:xfrm>
+          <a:prstGeom prst="rect">
+            <a:avLst/>
+          </a:prstGeom>
+          <a:noFill/>
+        </p:spPr>
+        <p:txBody>
+          <a:bodyPr wrap="square" rtlCol="0">
+            <a:spAutoFit/>
+          </a:bodyPr>
+          <a:lstStyle/>
+          <a:p>
+            <a:pPr marL="285750" indent="-285750">
+              <a:buFont typeface="Wingdings" panose="05000000000000000000" pitchFamily="2" charset="2"/>
+              <a:buChar char="q"/>
+            </a:pPr>
+            <a:r>
+              <a:rPr lang="en-US" sz="2000" dirty="0">
+                <a:latin typeface="Arial" panose="020B0604020202020204" pitchFamily="34" charset="0"/>
+                <a:cs typeface="Arial" panose="020B0604020202020204" pitchFamily="34" charset="0"/>
+              </a:rPr>
+              <a:t>Web link to Download &amp; Installation: </a:t>
+            </a:r>
+          </a:p>
+          <a:p>
+            <a:endParaRPr lang="en-US" sz="2000" dirty="0">
+              <a:latin typeface="Arial" panose="020B0604020202020204" pitchFamily="34" charset="0"/>
+              <a:cs typeface="Arial" panose="020B0604020202020204" pitchFamily="34" charset="0"/>
+            </a:endParaRPr>
+          </a:p>
+          <a:p>
+            <a:pPr marL="342900" indent="-342900">
+              <a:buFont typeface="Wingdings" panose="05000000000000000000" pitchFamily="2" charset="2"/>
+              <a:buChar char="Ø"/>
+            </a:pPr>
+            <a:r>
+              <a:rPr lang="en-US" sz="2400" dirty="0">
+                <a:solidFill>
+                  <a:schemeClr val="accent1"/>
+                </a:solidFill>
+                <a:latin typeface="Arial" panose="020B0604020202020204" pitchFamily="34" charset="0"/>
+                <a:cs typeface="Arial" panose="020B0604020202020204" pitchFamily="34" charset="0"/>
+                <a:hlinkClick r:id="rId2"/>
+              </a:rPr>
+              <a:t>https://www.google.com/earth/versions/#download-pro</a:t>
+            </a:r>
+            <a:endParaRPr lang="en-US" sz="2400" dirty="0">
+              <a:solidFill>
+                <a:schemeClr val="accent1"/>
+              </a:solidFill>
+              <a:latin typeface="Arial" panose="020B0604020202020204" pitchFamily="34" charset="0"/>
+              <a:cs typeface="Arial" panose="020B0604020202020204" pitchFamily="34" charset="0"/>
+            </a:endParaRPr>
+          </a:p>
+          <a:p>
+            <a:endParaRPr lang="en-US" sz="2000" dirty="0">
+              <a:solidFill>
+                <a:schemeClr val="accent1"/>
+              </a:solidFill>
+              <a:latin typeface="Arial" panose="020B0604020202020204" pitchFamily="34" charset="0"/>
+              <a:cs typeface="Arial" panose="020B0604020202020204" pitchFamily="34" charset="0"/>
+            </a:endParaRPr>
+          </a:p>
+          <a:p>
+            <a:endParaRPr lang="en-US" sz="2000" dirty="0">
+              <a:solidFill>
+                <a:schemeClr val="accent1"/>
+              </a:solidFill>
+              <a:latin typeface="Arial" panose="020B0604020202020204" pitchFamily="34" charset="0"/>
+              <a:cs typeface="Arial" panose="020B0604020202020204" pitchFamily="34" charset="0"/>
+            </a:endParaRPr>
           </a:p>
         </p:txBody>
       </p:sp>
@@ -4772,7 +4646,7 @@
           <p:nvPr/>
         </p:nvPicPr>
         <p:blipFill>
-          <a:blip r:embed="rId2"/>
+          <a:blip r:embed="rId3"/>
           <a:stretch>
             <a:fillRect/>
           </a:stretch>
@@ -4816,15 +4690,6 @@
           <a:lstStyle/>
           <a:p>
             <a:pPr algn="r"/>
-            <a:r>
-              <a:rPr lang="en-US" dirty="0" smtClean="0">
-                <a:solidFill>
-                  <a:schemeClr val="bg1"/>
-                </a:solidFill>
-                <a:latin typeface="Berlin Sans FB" panose="020E0602020502020306" pitchFamily="34" charset="0"/>
-              </a:rPr>
-              <a:t>Bangladesh </a:t>
-            </a:r>
             <a:r>
               <a:rPr lang="en-US" dirty="0">
                 <a:solidFill>
@@ -4832,185 +4697,85 @@
                 </a:solidFill>
                 <a:latin typeface="Berlin Sans FB" panose="020E0602020502020306" pitchFamily="34" charset="0"/>
               </a:rPr>
-              <a:t>Water Development Board (BWDB)</a:t>
-            </a:r>
-          </a:p>
-        </p:txBody>
-      </p:sp>
-      <p:sp>
-        <p:nvSpPr>
-          <p:cNvPr id="5" name="Rectangle 4"/>
-          <p:cNvSpPr/>
+              <a:t>Bangladesh Water Development Board (BWDB)</a:t>
+            </a:r>
+          </a:p>
+        </p:txBody>
+      </p:sp>
+      <p:pic>
+        <p:nvPicPr>
+          <p:cNvPr id="5" name="Picture 4"/>
+          <p:cNvPicPr>
+            <a:picLocks noChangeAspect="1"/>
+          </p:cNvPicPr>
           <p:nvPr/>
-        </p:nvSpPr>
-        <p:spPr>
-          <a:xfrm>
-            <a:off x="361950" y="1108800"/>
-            <a:ext cx="7996238" cy="3323987"/>
+        </p:nvPicPr>
+        <p:blipFill>
+          <a:blip r:embed="rId4">
+            <a:extLst>
+              <a:ext uri="{28A0092B-C50C-407E-A947-70E740481C1C}">
+                <a14:useLocalDpi xmlns:a14="http://schemas.microsoft.com/office/drawing/2010/main" val="0"/>
+              </a:ext>
+            </a:extLst>
+          </a:blip>
+          <a:stretch>
+            <a:fillRect/>
+          </a:stretch>
+        </p:blipFill>
+        <p:spPr>
+          <a:xfrm>
+            <a:off x="290945" y="1962725"/>
+            <a:ext cx="5374250" cy="3976997"/>
           </a:xfrm>
           <a:prstGeom prst="rect">
             <a:avLst/>
           </a:prstGeom>
         </p:spPr>
-        <p:txBody>
-          <a:bodyPr wrap="square">
-            <a:spAutoFit/>
-          </a:bodyPr>
-          <a:lstStyle/>
-          <a:p>
-            <a:r>
-              <a:rPr lang="en-US" sz="3000" dirty="0"/>
-              <a:t>KML: Keyhole Markup </a:t>
-            </a:r>
-            <a:r>
-              <a:rPr lang="en-US" sz="3000" dirty="0" smtClean="0"/>
-              <a:t>Language</a:t>
-            </a:r>
-          </a:p>
-          <a:p>
-            <a:endParaRPr lang="en-US" sz="3000" dirty="0"/>
-          </a:p>
-          <a:p>
-            <a:pPr marL="457200" indent="-457200">
-              <a:buFont typeface="Wingdings" panose="05000000000000000000" pitchFamily="2" charset="2"/>
-              <a:buChar char="Ø"/>
-            </a:pPr>
-            <a:r>
-              <a:rPr lang="en-US" sz="3000" dirty="0" smtClean="0"/>
-              <a:t>It’s </a:t>
-            </a:r>
-            <a:r>
-              <a:rPr lang="en-US" sz="3000" dirty="0"/>
-              <a:t>File Format used to display geographic data in earth browser.</a:t>
-            </a:r>
-          </a:p>
-          <a:p>
-            <a:pPr marL="457200" indent="-457200">
-              <a:buFont typeface="Wingdings" panose="05000000000000000000" pitchFamily="2" charset="2"/>
-              <a:buChar char="Ø"/>
-            </a:pPr>
-            <a:r>
-              <a:rPr lang="en-US" sz="3000" dirty="0" smtClean="0"/>
-              <a:t>KML </a:t>
-            </a:r>
-            <a:r>
-              <a:rPr lang="en-US" sz="3000" dirty="0"/>
-              <a:t>uses tag-based structure with nested elements and attributes.</a:t>
-            </a:r>
-          </a:p>
-          <a:p>
-            <a:pPr marL="457200" indent="-457200">
-              <a:buFont typeface="Wingdings" panose="05000000000000000000" pitchFamily="2" charset="2"/>
-              <a:buChar char="Ø"/>
-            </a:pPr>
-            <a:r>
-              <a:rPr lang="en-US" sz="3000" dirty="0" smtClean="0"/>
-              <a:t>KML </a:t>
-            </a:r>
-            <a:r>
-              <a:rPr lang="en-US" sz="3000" dirty="0"/>
-              <a:t>basically based on xml data format.</a:t>
-            </a:r>
-          </a:p>
-        </p:txBody>
-      </p:sp>
-    </p:spTree>
-    <p:extLst>
-      <p:ext uri="{BB962C8B-B14F-4D97-AF65-F5344CB8AC3E}">
-        <p14:creationId xmlns:p14="http://schemas.microsoft.com/office/powerpoint/2010/main" val="589767425"/>
-      </p:ext>
-    </p:extLst>
-  </p:cSld>
-  <p:clrMapOvr>
-    <a:masterClrMapping/>
-  </p:clrMapOvr>
-  <p:timing>
-    <p:tnLst>
-      <p:par>
-        <p:cTn id="1" dur="indefinite" restart="never" nodeType="tmRoot"/>
-      </p:par>
-    </p:tnLst>
-  </p:timing>
-</p:sld>
-</file>
-
-<file path=ppt/slides/slide4.xml><?xml version="1.0" encoding="utf-8"?>
-<p:sld xmlns:a="http://schemas.openxmlformats.org/drawingml/2006/main" xmlns:r="http://schemas.openxmlformats.org/officeDocument/2006/relationships" xmlns:p="http://schemas.openxmlformats.org/presentationml/2006/main">
-  <p:cSld>
-    <p:spTree>
-      <p:nvGrpSpPr>
-        <p:cNvPr id="1" name=""/>
-        <p:cNvGrpSpPr/>
-        <p:nvPr/>
-      </p:nvGrpSpPr>
-      <p:grpSpPr>
-        <a:xfrm>
-          <a:off x="0" y="0"/>
-          <a:ext cx="0" cy="0"/>
-          <a:chOff x="0" y="0"/>
-          <a:chExt cx="0" cy="0"/>
-        </a:xfrm>
-      </p:grpSpPr>
-      <p:sp>
-        <p:nvSpPr>
-          <p:cNvPr id="2" name="TextBox 1">
-            <a:extLst>
-              <a:ext uri="{FF2B5EF4-FFF2-40B4-BE49-F238E27FC236}">
-                <a16:creationId xmlns:a16="http://schemas.microsoft.com/office/drawing/2014/main" id="{2CB3373B-A553-42D7-86D3-C731A4F933BF}"/>
-              </a:ext>
-            </a:extLst>
-          </p:cNvPr>
-          <p:cNvSpPr txBox="1"/>
+      </p:pic>
+      <p:pic>
+        <p:nvPicPr>
+          <p:cNvPr id="10" name="Picture 9"/>
+          <p:cNvPicPr>
+            <a:picLocks noChangeAspect="1"/>
+          </p:cNvPicPr>
           <p:nvPr/>
-        </p:nvSpPr>
-        <p:spPr>
-          <a:xfrm>
-            <a:off x="-2327592" y="309904"/>
-            <a:ext cx="10176387" cy="646331"/>
+        </p:nvPicPr>
+        <p:blipFill>
+          <a:blip r:embed="rId5">
+            <a:extLst>
+              <a:ext uri="{28A0092B-C50C-407E-A947-70E740481C1C}">
+                <a14:useLocalDpi xmlns:a14="http://schemas.microsoft.com/office/drawing/2010/main" val="0"/>
+              </a:ext>
+            </a:extLst>
+          </a:blip>
+          <a:stretch>
+            <a:fillRect/>
+          </a:stretch>
+        </p:blipFill>
+        <p:spPr>
+          <a:xfrm>
+            <a:off x="5665195" y="1971485"/>
+            <a:ext cx="6232661" cy="3968238"/>
           </a:xfrm>
           <a:prstGeom prst="rect">
             <a:avLst/>
           </a:prstGeom>
-          <a:noFill/>
-        </p:spPr>
-        <p:txBody>
-          <a:bodyPr wrap="square" rtlCol="0">
-            <a:spAutoFit/>
-          </a:bodyPr>
-          <a:lstStyle/>
-          <a:p>
-            <a:pPr algn="ctr"/>
-            <a:r>
-              <a:rPr lang="en-US" sz="3600" dirty="0"/>
-              <a:t>Tag-based structure</a:t>
-            </a:r>
-            <a:endParaRPr lang="en-US" sz="2800" b="1" dirty="0"/>
-          </a:p>
-        </p:txBody>
-      </p:sp>
-      <p:sp>
-        <p:nvSpPr>
-          <p:cNvPr id="4" name="Rectangle 3">
-            <a:extLst>
-              <a:ext uri="{FF2B5EF4-FFF2-40B4-BE49-F238E27FC236}">
-                <a16:creationId xmlns:a16="http://schemas.microsoft.com/office/drawing/2014/main" id="{90BF4B6F-26F9-4A63-B11E-3DE103CC1FD5}"/>
-              </a:ext>
-            </a:extLst>
-          </p:cNvPr>
+        </p:spPr>
+      </p:pic>
+      <p:sp>
+        <p:nvSpPr>
+          <p:cNvPr id="11" name="Right Arrow 10"/>
           <p:cNvSpPr/>
           <p:nvPr/>
         </p:nvSpPr>
         <p:spPr>
           <a:xfrm>
-            <a:off x="0" y="5949662"/>
-            <a:ext cx="12192000" cy="908337"/>
-          </a:xfrm>
-          <a:prstGeom prst="rect">
+            <a:off x="2898741" y="5167901"/>
+            <a:ext cx="471617" cy="228823"/>
+          </a:xfrm>
+          <a:prstGeom prst="rightArrow">
             <a:avLst/>
           </a:prstGeom>
-          <a:solidFill>
-            <a:schemeClr val="accent1"/>
-          </a:solidFill>
         </p:spPr>
         <p:style>
           <a:lnRef idx="2">
@@ -5033,388 +4798,24 @@
           <a:lstStyle/>
           <a:p>
             <a:pPr algn="ctr"/>
-            <a:endParaRPr lang="en-US" dirty="0"/>
-          </a:p>
-        </p:txBody>
-      </p:sp>
-      <p:pic>
-        <p:nvPicPr>
-          <p:cNvPr id="6" name="Picture 5">
-            <a:extLst>
-              <a:ext uri="{FF2B5EF4-FFF2-40B4-BE49-F238E27FC236}">
-                <a16:creationId xmlns:a16="http://schemas.microsoft.com/office/drawing/2014/main" id="{BF9B5DA1-5BC3-4118-868F-50A22FB78136}"/>
-              </a:ext>
-            </a:extLst>
-          </p:cNvPr>
-          <p:cNvPicPr>
-            <a:picLocks noChangeAspect="1"/>
-          </p:cNvPicPr>
+            <a:endParaRPr lang="en-US"/>
+          </a:p>
+        </p:txBody>
+      </p:sp>
+      <p:sp>
+        <p:nvSpPr>
+          <p:cNvPr id="12" name="Right Arrow 11"/>
+          <p:cNvSpPr/>
           <p:nvPr/>
-        </p:nvPicPr>
-        <p:blipFill>
-          <a:blip r:embed="rId2"/>
-          <a:stretch>
-            <a:fillRect/>
-          </a:stretch>
-        </p:blipFill>
-        <p:spPr>
-          <a:xfrm>
-            <a:off x="11261035" y="5959601"/>
-            <a:ext cx="930965" cy="908337"/>
-          </a:xfrm>
-          <a:prstGeom prst="rect">
+        </p:nvSpPr>
+        <p:spPr>
+          <a:xfrm>
+            <a:off x="6669729" y="5396724"/>
+            <a:ext cx="471617" cy="228823"/>
+          </a:xfrm>
+          <a:prstGeom prst="rightArrow">
             <a:avLst/>
           </a:prstGeom>
-        </p:spPr>
-      </p:pic>
-      <p:sp>
-        <p:nvSpPr>
-          <p:cNvPr id="7" name="TextBox 6">
-            <a:extLst>
-              <a:ext uri="{FF2B5EF4-FFF2-40B4-BE49-F238E27FC236}">
-                <a16:creationId xmlns:a16="http://schemas.microsoft.com/office/drawing/2014/main" id="{5397C601-3941-4420-B374-A1F4BC4BDCFC}"/>
-              </a:ext>
-            </a:extLst>
-          </p:cNvPr>
-          <p:cNvSpPr txBox="1"/>
-          <p:nvPr/>
-        </p:nvSpPr>
-        <p:spPr>
-          <a:xfrm>
-            <a:off x="805065" y="6042991"/>
-            <a:ext cx="10237304" cy="369332"/>
-          </a:xfrm>
-          <a:prstGeom prst="rect">
-            <a:avLst/>
-          </a:prstGeom>
-          <a:noFill/>
-        </p:spPr>
-        <p:txBody>
-          <a:bodyPr wrap="square" rtlCol="0">
-            <a:spAutoFit/>
-          </a:bodyPr>
-          <a:lstStyle/>
-          <a:p>
-            <a:pPr algn="r"/>
-            <a:r>
-              <a:rPr lang="en-US" dirty="0" smtClean="0">
-                <a:solidFill>
-                  <a:schemeClr val="bg1"/>
-                </a:solidFill>
-                <a:latin typeface="Berlin Sans FB" panose="020E0602020502020306" pitchFamily="34" charset="0"/>
-              </a:rPr>
-              <a:t>Bangladesh </a:t>
-            </a:r>
-            <a:r>
-              <a:rPr lang="en-US" dirty="0">
-                <a:solidFill>
-                  <a:schemeClr val="bg1"/>
-                </a:solidFill>
-                <a:latin typeface="Berlin Sans FB" panose="020E0602020502020306" pitchFamily="34" charset="0"/>
-              </a:rPr>
-              <a:t>Water Development Board (BWDB)</a:t>
-            </a:r>
-          </a:p>
-        </p:txBody>
-      </p:sp>
-      <p:sp>
-        <p:nvSpPr>
-          <p:cNvPr id="5" name="Rectangle 4"/>
-          <p:cNvSpPr/>
-          <p:nvPr/>
-        </p:nvSpPr>
-        <p:spPr>
-          <a:xfrm>
-            <a:off x="927276" y="1266008"/>
-            <a:ext cx="10333759" cy="4693593"/>
-          </a:xfrm>
-          <a:prstGeom prst="rect">
-            <a:avLst/>
-          </a:prstGeom>
-        </p:spPr>
-        <p:txBody>
-          <a:bodyPr wrap="square">
-            <a:spAutoFit/>
-          </a:bodyPr>
-          <a:lstStyle/>
-          <a:p>
-            <a:r>
-              <a:rPr lang="en-US" sz="2300" dirty="0">
-                <a:cs typeface="Times New Roman" panose="02020603050405020304" pitchFamily="18" charset="0"/>
-              </a:rPr>
-              <a:t>Every Tag performs different task.</a:t>
-            </a:r>
-          </a:p>
-          <a:p>
-            <a:r>
-              <a:rPr lang="en-US" sz="2300" dirty="0">
-                <a:cs typeface="Times New Roman" panose="02020603050405020304" pitchFamily="18" charset="0"/>
-              </a:rPr>
-              <a:t>General Tags: &lt;</a:t>
-            </a:r>
-            <a:r>
-              <a:rPr lang="en-US" sz="2300" dirty="0" err="1">
-                <a:cs typeface="Times New Roman" panose="02020603050405020304" pitchFamily="18" charset="0"/>
-              </a:rPr>
-              <a:t>tagname</a:t>
-            </a:r>
-            <a:r>
-              <a:rPr lang="en-US" sz="2300" dirty="0">
-                <a:cs typeface="Times New Roman" panose="02020603050405020304" pitchFamily="18" charset="0"/>
-              </a:rPr>
-              <a:t>&gt;Data&lt;/</a:t>
-            </a:r>
-            <a:r>
-              <a:rPr lang="en-US" sz="2300" dirty="0" err="1">
-                <a:cs typeface="Times New Roman" panose="02020603050405020304" pitchFamily="18" charset="0"/>
-              </a:rPr>
-              <a:t>tagname</a:t>
-            </a:r>
-            <a:r>
-              <a:rPr lang="en-US" sz="2300" dirty="0">
-                <a:cs typeface="Times New Roman" panose="02020603050405020304" pitchFamily="18" charset="0"/>
-              </a:rPr>
-              <a:t>&gt;</a:t>
-            </a:r>
-          </a:p>
-          <a:p>
-            <a:r>
-              <a:rPr lang="en-US" sz="2300" dirty="0">
-                <a:cs typeface="Times New Roman" panose="02020603050405020304" pitchFamily="18" charset="0"/>
-              </a:rPr>
-              <a:t>In special </a:t>
-            </a:r>
-            <a:r>
-              <a:rPr lang="en-US" sz="2300" dirty="0" err="1">
-                <a:cs typeface="Times New Roman" panose="02020603050405020304" pitchFamily="18" charset="0"/>
-              </a:rPr>
-              <a:t>Special</a:t>
-            </a:r>
-            <a:r>
-              <a:rPr lang="en-US" sz="2300" dirty="0">
-                <a:cs typeface="Times New Roman" panose="02020603050405020304" pitchFamily="18" charset="0"/>
-              </a:rPr>
-              <a:t> Tags:&lt;</a:t>
-            </a:r>
-            <a:r>
-              <a:rPr lang="en-US" sz="2300" dirty="0" err="1">
-                <a:cs typeface="Times New Roman" panose="02020603050405020304" pitchFamily="18" charset="0"/>
-              </a:rPr>
-              <a:t>tagname</a:t>
-            </a:r>
-            <a:r>
-              <a:rPr lang="en-US" sz="2300" dirty="0">
-                <a:cs typeface="Times New Roman" panose="02020603050405020304" pitchFamily="18" charset="0"/>
-              </a:rPr>
-              <a:t>&gt;</a:t>
-            </a:r>
-          </a:p>
-          <a:p>
-            <a:endParaRPr lang="en-US" sz="2300" dirty="0">
-              <a:cs typeface="Times New Roman" panose="02020603050405020304" pitchFamily="18" charset="0"/>
-            </a:endParaRPr>
-          </a:p>
-          <a:p>
-            <a:r>
-              <a:rPr lang="en-US" sz="2300" dirty="0">
-                <a:cs typeface="Times New Roman" panose="02020603050405020304" pitchFamily="18" charset="0"/>
-              </a:rPr>
-              <a:t>For example: General Tag</a:t>
-            </a:r>
-          </a:p>
-          <a:p>
-            <a:r>
-              <a:rPr lang="en-US" altLang="en-US" sz="2300" dirty="0">
-                <a:cs typeface="Times New Roman" panose="02020603050405020304" pitchFamily="18" charset="0"/>
-              </a:rPr>
-              <a:t>&lt;coordinates&gt; -112.265,36.094,630 </a:t>
-            </a:r>
-          </a:p>
-          <a:p>
-            <a:r>
-              <a:rPr lang="en-US" altLang="en-US" sz="2300" dirty="0">
-                <a:cs typeface="Times New Roman" panose="02020603050405020304" pitchFamily="18" charset="0"/>
-              </a:rPr>
-              <a:t>-112.265,36.095,630 &lt;/coordinates&gt;</a:t>
-            </a:r>
-          </a:p>
-          <a:p>
-            <a:r>
-              <a:rPr lang="en-US" sz="2300" dirty="0">
-                <a:cs typeface="Times New Roman" panose="02020603050405020304" pitchFamily="18" charset="0"/>
-              </a:rPr>
-              <a:t>Above Line Represents coordinates of a Line.</a:t>
-            </a:r>
-          </a:p>
-          <a:p>
-            <a:r>
-              <a:rPr lang="en-US" sz="2300" dirty="0">
-                <a:cs typeface="Times New Roman" panose="02020603050405020304" pitchFamily="18" charset="0"/>
-              </a:rPr>
-              <a:t>&lt;coordinates&gt; : begins coordinate input.</a:t>
-            </a:r>
-          </a:p>
-          <a:p>
-            <a:r>
-              <a:rPr lang="en-US" sz="2300" dirty="0">
-                <a:cs typeface="Times New Roman" panose="02020603050405020304" pitchFamily="18" charset="0"/>
-              </a:rPr>
-              <a:t>-112.265,36.094,630  :</a:t>
-            </a:r>
-            <a:r>
-              <a:rPr lang="en-US" sz="2300" dirty="0" err="1">
-                <a:cs typeface="Times New Roman" panose="02020603050405020304" pitchFamily="18" charset="0"/>
-              </a:rPr>
-              <a:t>x,y,z</a:t>
-            </a:r>
-            <a:r>
-              <a:rPr lang="en-US" sz="2300" dirty="0">
-                <a:cs typeface="Times New Roman" panose="02020603050405020304" pitchFamily="18" charset="0"/>
-              </a:rPr>
-              <a:t> of the first point.</a:t>
-            </a:r>
-          </a:p>
-          <a:p>
-            <a:r>
-              <a:rPr lang="en-US" altLang="en-US" sz="2300" dirty="0">
-                <a:cs typeface="Times New Roman" panose="02020603050405020304" pitchFamily="18" charset="0"/>
-              </a:rPr>
-              <a:t>112.265,36.095,630 :</a:t>
-            </a:r>
-            <a:r>
-              <a:rPr lang="en-US" altLang="en-US" sz="2300" dirty="0" err="1">
-                <a:cs typeface="Times New Roman" panose="02020603050405020304" pitchFamily="18" charset="0"/>
-              </a:rPr>
-              <a:t>x,y,z</a:t>
-            </a:r>
-            <a:r>
-              <a:rPr lang="en-US" altLang="en-US" sz="2300" dirty="0">
-                <a:cs typeface="Times New Roman" panose="02020603050405020304" pitchFamily="18" charset="0"/>
-              </a:rPr>
-              <a:t> of the second point.</a:t>
-            </a:r>
-          </a:p>
-          <a:p>
-            <a:r>
-              <a:rPr lang="en-US" altLang="en-US" sz="2300" dirty="0">
-                <a:cs typeface="Times New Roman" panose="02020603050405020304" pitchFamily="18" charset="0"/>
-              </a:rPr>
-              <a:t>&lt;/coordinates&gt;: end of coordinate input.</a:t>
-            </a:r>
-          </a:p>
-          <a:p>
-            <a:r>
-              <a:rPr lang="en-US" altLang="en-US" sz="2300" dirty="0" err="1">
-                <a:cs typeface="Times New Roman" panose="02020603050405020304" pitchFamily="18" charset="0"/>
-              </a:rPr>
-              <a:t>Notice:there</a:t>
-            </a:r>
-            <a:r>
-              <a:rPr lang="en-US" altLang="en-US" sz="2300" dirty="0">
-                <a:cs typeface="Times New Roman" panose="02020603050405020304" pitchFamily="18" charset="0"/>
-              </a:rPr>
-              <a:t> is no comma between points,.</a:t>
-            </a:r>
-          </a:p>
-        </p:txBody>
-      </p:sp>
-    </p:spTree>
-    <p:extLst>
-      <p:ext uri="{BB962C8B-B14F-4D97-AF65-F5344CB8AC3E}">
-        <p14:creationId xmlns:p14="http://schemas.microsoft.com/office/powerpoint/2010/main" val="1259759272"/>
-      </p:ext>
-    </p:extLst>
-  </p:cSld>
-  <p:clrMapOvr>
-    <a:masterClrMapping/>
-  </p:clrMapOvr>
-  <p:timing>
-    <p:tnLst>
-      <p:par>
-        <p:cTn id="1" dur="indefinite" restart="never" nodeType="tmRoot"/>
-      </p:par>
-    </p:tnLst>
-  </p:timing>
-</p:sld>
-</file>
-
-<file path=ppt/slides/slide5.xml><?xml version="1.0" encoding="utf-8"?>
-<p:sld xmlns:a="http://schemas.openxmlformats.org/drawingml/2006/main" xmlns:r="http://schemas.openxmlformats.org/officeDocument/2006/relationships" xmlns:p="http://schemas.openxmlformats.org/presentationml/2006/main">
-  <p:cSld>
-    <p:spTree>
-      <p:nvGrpSpPr>
-        <p:cNvPr id="1" name=""/>
-        <p:cNvGrpSpPr/>
-        <p:nvPr/>
-      </p:nvGrpSpPr>
-      <p:grpSpPr>
-        <a:xfrm>
-          <a:off x="0" y="0"/>
-          <a:ext cx="0" cy="0"/>
-          <a:chOff x="0" y="0"/>
-          <a:chExt cx="0" cy="0"/>
-        </a:xfrm>
-      </p:grpSpPr>
-      <p:sp>
-        <p:nvSpPr>
-          <p:cNvPr id="2" name="TextBox 1">
-            <a:extLst>
-              <a:ext uri="{FF2B5EF4-FFF2-40B4-BE49-F238E27FC236}">
-                <a16:creationId xmlns:a16="http://schemas.microsoft.com/office/drawing/2014/main" id="{2CB3373B-A553-42D7-86D3-C731A4F933BF}"/>
-              </a:ext>
-            </a:extLst>
-          </p:cNvPr>
-          <p:cNvSpPr txBox="1"/>
-          <p:nvPr/>
-        </p:nvSpPr>
-        <p:spPr>
-          <a:xfrm>
-            <a:off x="-2438428" y="375202"/>
-            <a:ext cx="10176387" cy="646331"/>
-          </a:xfrm>
-          <a:prstGeom prst="rect">
-            <a:avLst/>
-          </a:prstGeom>
-          <a:noFill/>
-        </p:spPr>
-        <p:txBody>
-          <a:bodyPr wrap="square" rtlCol="0">
-            <a:spAutoFit/>
-          </a:bodyPr>
-          <a:lstStyle/>
-          <a:p>
-            <a:pPr algn="ctr"/>
-            <a:r>
-              <a:rPr lang="en-US" sz="3600" dirty="0"/>
-              <a:t>Tag-based structure</a:t>
-            </a:r>
-            <a:endParaRPr lang="en-US" sz="2800" b="1" dirty="0"/>
-          </a:p>
-        </p:txBody>
-      </p:sp>
-      <p:sp>
-        <p:nvSpPr>
-          <p:cNvPr id="4" name="Rectangle 3">
-            <a:extLst>
-              <a:ext uri="{FF2B5EF4-FFF2-40B4-BE49-F238E27FC236}">
-                <a16:creationId xmlns:a16="http://schemas.microsoft.com/office/drawing/2014/main" id="{90BF4B6F-26F9-4A63-B11E-3DE103CC1FD5}"/>
-              </a:ext>
-            </a:extLst>
-          </p:cNvPr>
-          <p:cNvSpPr/>
-          <p:nvPr/>
-        </p:nvSpPr>
-        <p:spPr>
-          <a:xfrm>
-            <a:off x="0" y="5949662"/>
-            <a:ext cx="12192000" cy="908337"/>
-          </a:xfrm>
-          <a:prstGeom prst="rect">
-            <a:avLst/>
-          </a:prstGeom>
-          <a:solidFill>
-            <a:schemeClr val="accent1"/>
-          </a:solidFill>
         </p:spPr>
         <p:style>
           <a:lnRef idx="2">
@@ -5437,1308 +4838,24 @@
           <a:lstStyle/>
           <a:p>
             <a:pPr algn="ctr"/>
-            <a:endParaRPr lang="en-US" dirty="0"/>
-          </a:p>
-        </p:txBody>
-      </p:sp>
-      <p:pic>
-        <p:nvPicPr>
-          <p:cNvPr id="6" name="Picture 5">
-            <a:extLst>
-              <a:ext uri="{FF2B5EF4-FFF2-40B4-BE49-F238E27FC236}">
-                <a16:creationId xmlns:a16="http://schemas.microsoft.com/office/drawing/2014/main" id="{BF9B5DA1-5BC3-4118-868F-50A22FB78136}"/>
-              </a:ext>
-            </a:extLst>
-          </p:cNvPr>
-          <p:cNvPicPr>
-            <a:picLocks noChangeAspect="1"/>
-          </p:cNvPicPr>
-          <p:nvPr/>
-        </p:nvPicPr>
-        <p:blipFill>
-          <a:blip r:embed="rId2"/>
-          <a:stretch>
-            <a:fillRect/>
-          </a:stretch>
-        </p:blipFill>
-        <p:spPr>
-          <a:xfrm>
-            <a:off x="11261035" y="5959601"/>
-            <a:ext cx="930965" cy="908337"/>
-          </a:xfrm>
-          <a:prstGeom prst="rect">
-            <a:avLst/>
-          </a:prstGeom>
-        </p:spPr>
-      </p:pic>
-      <p:sp>
-        <p:nvSpPr>
-          <p:cNvPr id="7" name="TextBox 6">
-            <a:extLst>
-              <a:ext uri="{FF2B5EF4-FFF2-40B4-BE49-F238E27FC236}">
-                <a16:creationId xmlns:a16="http://schemas.microsoft.com/office/drawing/2014/main" id="{5397C601-3941-4420-B374-A1F4BC4BDCFC}"/>
-              </a:ext>
-            </a:extLst>
-          </p:cNvPr>
-          <p:cNvSpPr txBox="1"/>
-          <p:nvPr/>
-        </p:nvSpPr>
-        <p:spPr>
-          <a:xfrm>
-            <a:off x="805065" y="6042991"/>
-            <a:ext cx="10237304" cy="369332"/>
-          </a:xfrm>
-          <a:prstGeom prst="rect">
-            <a:avLst/>
-          </a:prstGeom>
-          <a:noFill/>
-        </p:spPr>
-        <p:txBody>
-          <a:bodyPr wrap="square" rtlCol="0">
-            <a:spAutoFit/>
-          </a:bodyPr>
-          <a:lstStyle/>
-          <a:p>
-            <a:pPr algn="r"/>
-            <a:r>
-              <a:rPr lang="en-US" dirty="0" smtClean="0">
-                <a:solidFill>
-                  <a:schemeClr val="bg1"/>
-                </a:solidFill>
-                <a:latin typeface="Berlin Sans FB" panose="020E0602020502020306" pitchFamily="34" charset="0"/>
-              </a:rPr>
-              <a:t>Bangladesh </a:t>
-            </a:r>
-            <a:r>
-              <a:rPr lang="en-US" dirty="0">
-                <a:solidFill>
-                  <a:schemeClr val="bg1"/>
-                </a:solidFill>
-                <a:latin typeface="Berlin Sans FB" panose="020E0602020502020306" pitchFamily="34" charset="0"/>
-              </a:rPr>
-              <a:t>Water Development Board (BWDB)</a:t>
-            </a:r>
-          </a:p>
-        </p:txBody>
-      </p:sp>
-      <p:sp>
-        <p:nvSpPr>
-          <p:cNvPr id="5" name="Rectangle 4"/>
-          <p:cNvSpPr/>
-          <p:nvPr/>
-        </p:nvSpPr>
-        <p:spPr>
-          <a:xfrm>
-            <a:off x="805065" y="1592771"/>
-            <a:ext cx="10486158" cy="3785652"/>
-          </a:xfrm>
-          <a:prstGeom prst="rect">
-            <a:avLst/>
-          </a:prstGeom>
-        </p:spPr>
-        <p:txBody>
-          <a:bodyPr wrap="square">
-            <a:spAutoFit/>
-          </a:bodyPr>
-          <a:lstStyle/>
-          <a:p>
-            <a:r>
-              <a:rPr lang="en-US" sz="2400" dirty="0"/>
-              <a:t>For example: Special Tag</a:t>
-            </a:r>
-          </a:p>
-          <a:p>
-            <a:r>
-              <a:rPr lang="en-US" sz="2400" dirty="0"/>
-              <a:t>This type of Tag do not have any definite </a:t>
-            </a:r>
-            <a:r>
-              <a:rPr lang="en-US" sz="2400" dirty="0" err="1"/>
-              <a:t>end.Usually</a:t>
-            </a:r>
-            <a:r>
-              <a:rPr lang="en-US" sz="2400" dirty="0"/>
-              <a:t> have a beginning and some attributes encoded in them.</a:t>
-            </a:r>
-          </a:p>
-          <a:p>
-            <a:r>
-              <a:rPr lang="en-US" altLang="en-US" sz="2400" dirty="0">
-                <a:latin typeface="Arial Unicode MS" panose="020B0604020202020204" pitchFamily="34" charset="-128"/>
-              </a:rPr>
-              <a:t>&lt;</a:t>
-            </a:r>
-            <a:r>
-              <a:rPr lang="en-US" altLang="en-US" sz="2400" dirty="0" err="1">
-                <a:latin typeface="Arial Unicode MS" panose="020B0604020202020204" pitchFamily="34" charset="-128"/>
-              </a:rPr>
-              <a:t>kml</a:t>
-            </a:r>
-            <a:r>
-              <a:rPr lang="en-US" altLang="en-US" sz="2400" dirty="0">
-                <a:latin typeface="Arial Unicode MS" panose="020B0604020202020204" pitchFamily="34" charset="-128"/>
-              </a:rPr>
-              <a:t> </a:t>
-            </a:r>
-            <a:r>
-              <a:rPr lang="en-US" altLang="en-US" sz="2400" dirty="0" err="1">
-                <a:latin typeface="Arial Unicode MS" panose="020B0604020202020204" pitchFamily="34" charset="-128"/>
-              </a:rPr>
-              <a:t>xmlns</a:t>
-            </a:r>
-            <a:r>
-              <a:rPr lang="en-US" altLang="en-US" sz="2400" dirty="0">
-                <a:latin typeface="Arial Unicode MS" panose="020B0604020202020204" pitchFamily="34" charset="-128"/>
-              </a:rPr>
-              <a:t>="http://www.opengis.net/kml/2.2"&gt;</a:t>
-            </a:r>
-            <a:r>
-              <a:rPr lang="en-US" altLang="en-US" sz="2400" dirty="0"/>
-              <a:t> </a:t>
-            </a:r>
-          </a:p>
-          <a:p>
-            <a:r>
-              <a:rPr lang="en-US" altLang="en-US" sz="2400" dirty="0">
-                <a:latin typeface="Arial" panose="020B0604020202020204" pitchFamily="34" charset="0"/>
-              </a:rPr>
-              <a:t>Abbe Tags says which version of </a:t>
-            </a:r>
-            <a:r>
-              <a:rPr lang="en-US" altLang="en-US" sz="2400" dirty="0" err="1">
-                <a:latin typeface="Arial" panose="020B0604020202020204" pitchFamily="34" charset="0"/>
-              </a:rPr>
-              <a:t>kml</a:t>
-            </a:r>
-            <a:r>
-              <a:rPr lang="en-US" altLang="en-US" sz="2400" dirty="0">
-                <a:latin typeface="Arial" panose="020B0604020202020204" pitchFamily="34" charset="0"/>
-              </a:rPr>
-              <a:t> shall be used to a certain </a:t>
-            </a:r>
-            <a:r>
-              <a:rPr lang="en-US" altLang="en-US" sz="2400" dirty="0" err="1">
-                <a:latin typeface="Arial" panose="020B0604020202020204" pitchFamily="34" charset="0"/>
-              </a:rPr>
-              <a:t>kml</a:t>
-            </a:r>
-            <a:r>
-              <a:rPr lang="en-US" altLang="en-US" sz="2400" dirty="0">
-                <a:latin typeface="Arial" panose="020B0604020202020204" pitchFamily="34" charset="0"/>
-              </a:rPr>
-              <a:t> file.</a:t>
-            </a:r>
-          </a:p>
-          <a:p>
-            <a:r>
-              <a:rPr lang="en-US" altLang="en-US" sz="2400" dirty="0" err="1">
-                <a:latin typeface="Arial" panose="020B0604020202020204" pitchFamily="34" charset="0"/>
-              </a:rPr>
-              <a:t>Kml</a:t>
-            </a:r>
-            <a:r>
-              <a:rPr lang="en-US" altLang="en-US" sz="2400" dirty="0">
-                <a:latin typeface="Arial" panose="020B0604020202020204" pitchFamily="34" charset="0"/>
-              </a:rPr>
-              <a:t>: is the tag name</a:t>
-            </a:r>
-          </a:p>
-          <a:p>
-            <a:r>
-              <a:rPr lang="en-US" altLang="en-US" sz="2400" dirty="0" err="1">
-                <a:latin typeface="Arial" panose="020B0604020202020204" pitchFamily="34" charset="0"/>
-              </a:rPr>
-              <a:t>Xmlns:is</a:t>
-            </a:r>
-            <a:r>
-              <a:rPr lang="en-US" altLang="en-US" sz="2400" dirty="0">
-                <a:latin typeface="Arial" panose="020B0604020202020204" pitchFamily="34" charset="0"/>
-              </a:rPr>
-              <a:t> a attribute.</a:t>
-            </a:r>
-          </a:p>
-          <a:p>
-            <a:r>
-              <a:rPr lang="en-US" altLang="en-US" sz="2400" dirty="0">
-                <a:latin typeface="Arial" panose="020B0604020202020204" pitchFamily="34" charset="0"/>
-              </a:rPr>
-              <a:t>Attribute Format:</a:t>
-            </a:r>
-          </a:p>
-          <a:p>
-            <a:r>
-              <a:rPr lang="en-US" altLang="en-US" sz="2400" dirty="0">
-                <a:latin typeface="Arial" panose="020B0604020202020204" pitchFamily="34" charset="0"/>
-              </a:rPr>
-              <a:t>Each attribute is begin by a name and value of this is given by equal sign. Value of attribute always in string </a:t>
-            </a:r>
-            <a:r>
-              <a:rPr lang="en-US" altLang="en-US" sz="2400" dirty="0" err="1">
-                <a:latin typeface="Arial" panose="020B0604020202020204" pitchFamily="34" charset="0"/>
-              </a:rPr>
-              <a:t>format.That</a:t>
-            </a:r>
-            <a:r>
-              <a:rPr lang="en-US" altLang="en-US" sz="2400" dirty="0">
-                <a:latin typeface="Arial" panose="020B0604020202020204" pitchFamily="34" charset="0"/>
-              </a:rPr>
-              <a:t> is enclosed by “ ”.</a:t>
-            </a:r>
-            <a:endParaRPr lang="en-US" altLang="en-US" sz="6000" dirty="0">
-              <a:latin typeface="Arial" panose="020B0604020202020204" pitchFamily="34" charset="0"/>
-            </a:endParaRPr>
+            <a:endParaRPr lang="en-US"/>
           </a:p>
         </p:txBody>
       </p:sp>
     </p:spTree>
     <p:extLst>
       <p:ext uri="{BB962C8B-B14F-4D97-AF65-F5344CB8AC3E}">
-        <p14:creationId xmlns:p14="http://schemas.microsoft.com/office/powerpoint/2010/main" val="1665996557"/>
+        <p14:creationId xmlns:p14="http://schemas.microsoft.com/office/powerpoint/2010/main" val="2283120545"/>
       </p:ext>
     </p:extLst>
   </p:cSld>
   <p:clrMapOvr>
     <a:masterClrMapping/>
   </p:clrMapOvr>
-  <p:timing>
-    <p:tnLst>
-      <p:par>
-        <p:cTn id="1" dur="indefinite" restart="never" nodeType="tmRoot"/>
-      </p:par>
-    </p:tnLst>
-  </p:timing>
 </p:sld>
 </file>
 
-<file path=ppt/slides/slide6.xml><?xml version="1.0" encoding="utf-8"?>
-<p:sld xmlns:a="http://schemas.openxmlformats.org/drawingml/2006/main" xmlns:r="http://schemas.openxmlformats.org/officeDocument/2006/relationships" xmlns:p="http://schemas.openxmlformats.org/presentationml/2006/main">
-  <p:cSld>
-    <p:spTree>
-      <p:nvGrpSpPr>
-        <p:cNvPr id="1" name=""/>
-        <p:cNvGrpSpPr/>
-        <p:nvPr/>
-      </p:nvGrpSpPr>
-      <p:grpSpPr>
-        <a:xfrm>
-          <a:off x="0" y="0"/>
-          <a:ext cx="0" cy="0"/>
-          <a:chOff x="0" y="0"/>
-          <a:chExt cx="0" cy="0"/>
-        </a:xfrm>
-      </p:grpSpPr>
-      <p:sp>
-        <p:nvSpPr>
-          <p:cNvPr id="2" name="TextBox 1">
-            <a:extLst>
-              <a:ext uri="{FF2B5EF4-FFF2-40B4-BE49-F238E27FC236}">
-                <a16:creationId xmlns:a16="http://schemas.microsoft.com/office/drawing/2014/main" id="{2CB3373B-A553-42D7-86D3-C731A4F933BF}"/>
-              </a:ext>
-            </a:extLst>
-          </p:cNvPr>
-          <p:cNvSpPr txBox="1"/>
-          <p:nvPr/>
-        </p:nvSpPr>
-        <p:spPr>
-          <a:xfrm>
-            <a:off x="-1205373" y="375201"/>
-            <a:ext cx="10176387" cy="646331"/>
-          </a:xfrm>
-          <a:prstGeom prst="rect">
-            <a:avLst/>
-          </a:prstGeom>
-          <a:noFill/>
-        </p:spPr>
-        <p:txBody>
-          <a:bodyPr wrap="square" rtlCol="0">
-            <a:spAutoFit/>
-          </a:bodyPr>
-          <a:lstStyle/>
-          <a:p>
-            <a:pPr algn="ctr"/>
-            <a:r>
-              <a:rPr lang="en-US" sz="3600" dirty="0"/>
-              <a:t>Creation of KML file on notepad</a:t>
-            </a:r>
-            <a:endParaRPr lang="en-US" sz="2800" b="1" dirty="0"/>
-          </a:p>
-        </p:txBody>
-      </p:sp>
-      <p:sp>
-        <p:nvSpPr>
-          <p:cNvPr id="4" name="Rectangle 3">
-            <a:extLst>
-              <a:ext uri="{FF2B5EF4-FFF2-40B4-BE49-F238E27FC236}">
-                <a16:creationId xmlns:a16="http://schemas.microsoft.com/office/drawing/2014/main" id="{90BF4B6F-26F9-4A63-B11E-3DE103CC1FD5}"/>
-              </a:ext>
-            </a:extLst>
-          </p:cNvPr>
-          <p:cNvSpPr/>
-          <p:nvPr/>
-        </p:nvSpPr>
-        <p:spPr>
-          <a:xfrm>
-            <a:off x="0" y="5949662"/>
-            <a:ext cx="12192000" cy="908337"/>
-          </a:xfrm>
-          <a:prstGeom prst="rect">
-            <a:avLst/>
-          </a:prstGeom>
-          <a:solidFill>
-            <a:schemeClr val="accent1"/>
-          </a:solidFill>
-        </p:spPr>
-        <p:style>
-          <a:lnRef idx="2">
-            <a:schemeClr val="accent1">
-              <a:shade val="50000"/>
-            </a:schemeClr>
-          </a:lnRef>
-          <a:fillRef idx="1">
-            <a:schemeClr val="accent1"/>
-          </a:fillRef>
-          <a:effectRef idx="0">
-            <a:schemeClr val="accent1"/>
-          </a:effectRef>
-          <a:fontRef idx="minor">
-            <a:schemeClr val="lt1"/>
-          </a:fontRef>
-        </p:style>
-        <p:txBody>
-          <a:bodyPr rtlCol="0" anchor="ctr"/>
-          <a:lstStyle/>
-          <a:p>
-            <a:pPr algn="ctr"/>
-            <a:endParaRPr lang="en-US" dirty="0"/>
-          </a:p>
-        </p:txBody>
-      </p:sp>
-      <p:pic>
-        <p:nvPicPr>
-          <p:cNvPr id="6" name="Picture 5">
-            <a:extLst>
-              <a:ext uri="{FF2B5EF4-FFF2-40B4-BE49-F238E27FC236}">
-                <a16:creationId xmlns:a16="http://schemas.microsoft.com/office/drawing/2014/main" id="{BF9B5DA1-5BC3-4118-868F-50A22FB78136}"/>
-              </a:ext>
-            </a:extLst>
-          </p:cNvPr>
-          <p:cNvPicPr>
-            <a:picLocks noChangeAspect="1"/>
-          </p:cNvPicPr>
-          <p:nvPr/>
-        </p:nvPicPr>
-        <p:blipFill>
-          <a:blip r:embed="rId2"/>
-          <a:stretch>
-            <a:fillRect/>
-          </a:stretch>
-        </p:blipFill>
-        <p:spPr>
-          <a:xfrm>
-            <a:off x="11261035" y="5959601"/>
-            <a:ext cx="930965" cy="908337"/>
-          </a:xfrm>
-          <a:prstGeom prst="rect">
-            <a:avLst/>
-          </a:prstGeom>
-        </p:spPr>
-      </p:pic>
-      <p:sp>
-        <p:nvSpPr>
-          <p:cNvPr id="7" name="TextBox 6">
-            <a:extLst>
-              <a:ext uri="{FF2B5EF4-FFF2-40B4-BE49-F238E27FC236}">
-                <a16:creationId xmlns:a16="http://schemas.microsoft.com/office/drawing/2014/main" id="{5397C601-3941-4420-B374-A1F4BC4BDCFC}"/>
-              </a:ext>
-            </a:extLst>
-          </p:cNvPr>
-          <p:cNvSpPr txBox="1"/>
-          <p:nvPr/>
-        </p:nvSpPr>
-        <p:spPr>
-          <a:xfrm>
-            <a:off x="805065" y="6042991"/>
-            <a:ext cx="10237304" cy="369332"/>
-          </a:xfrm>
-          <a:prstGeom prst="rect">
-            <a:avLst/>
-          </a:prstGeom>
-          <a:noFill/>
-        </p:spPr>
-        <p:txBody>
-          <a:bodyPr wrap="square" rtlCol="0">
-            <a:spAutoFit/>
-          </a:bodyPr>
-          <a:lstStyle/>
-          <a:p>
-            <a:pPr algn="r"/>
-            <a:r>
-              <a:rPr lang="en-US" dirty="0" smtClean="0">
-                <a:solidFill>
-                  <a:schemeClr val="bg1"/>
-                </a:solidFill>
-                <a:latin typeface="Berlin Sans FB" panose="020E0602020502020306" pitchFamily="34" charset="0"/>
-              </a:rPr>
-              <a:t>Bangladesh </a:t>
-            </a:r>
-            <a:r>
-              <a:rPr lang="en-US" dirty="0">
-                <a:solidFill>
-                  <a:schemeClr val="bg1"/>
-                </a:solidFill>
-                <a:latin typeface="Berlin Sans FB" panose="020E0602020502020306" pitchFamily="34" charset="0"/>
-              </a:rPr>
-              <a:t>Water Development Board (BWDB)</a:t>
-            </a:r>
-          </a:p>
-        </p:txBody>
-      </p:sp>
-      <p:sp>
-        <p:nvSpPr>
-          <p:cNvPr id="5" name="Rectangle 4"/>
-          <p:cNvSpPr/>
-          <p:nvPr/>
-        </p:nvSpPr>
-        <p:spPr>
-          <a:xfrm>
-            <a:off x="852921" y="1274117"/>
-            <a:ext cx="10486158" cy="4524315"/>
-          </a:xfrm>
-          <a:prstGeom prst="rect">
-            <a:avLst/>
-          </a:prstGeom>
-        </p:spPr>
-        <p:txBody>
-          <a:bodyPr wrap="square">
-            <a:spAutoFit/>
-          </a:bodyPr>
-          <a:lstStyle/>
-          <a:p>
-            <a:r>
-              <a:rPr lang="en-US" sz="2400" dirty="0"/>
-              <a:t>For the sake of brevity we shall create a KML file from scratch on notepad</a:t>
-            </a:r>
-            <a:r>
-              <a:rPr lang="en-US" sz="2400" dirty="0" smtClean="0"/>
-              <a:t>.</a:t>
-            </a:r>
-          </a:p>
-          <a:p>
-            <a:r>
-              <a:rPr lang="en-US" sz="2400" dirty="0" err="1"/>
-              <a:t>mawa</a:t>
-            </a:r>
-            <a:r>
-              <a:rPr lang="en-US" sz="2400" dirty="0"/>
-              <a:t> :23.470181, 90.264427,0 (lat,lon,altitude)</a:t>
-            </a:r>
-          </a:p>
-          <a:p>
-            <a:r>
-              <a:rPr lang="en-US" sz="2400" dirty="0" err="1"/>
-              <a:t>Jajira</a:t>
-            </a:r>
-            <a:r>
-              <a:rPr lang="en-US" sz="2400" dirty="0"/>
-              <a:t>: 23.442196, 90.261215,0 (lat,lon,altitude)</a:t>
-            </a:r>
-          </a:p>
-          <a:p>
-            <a:r>
-              <a:rPr lang="en-US" sz="2400" dirty="0"/>
-              <a:t>Goal Mark Two points and Connect them with a line.</a:t>
-            </a:r>
-          </a:p>
-          <a:p>
-            <a:endParaRPr lang="en-US" sz="2400" dirty="0" smtClean="0"/>
-          </a:p>
-          <a:p>
-            <a:r>
-              <a:rPr lang="en-US" sz="2400" dirty="0" smtClean="0"/>
-              <a:t>Open </a:t>
-            </a:r>
-            <a:r>
-              <a:rPr lang="en-US" sz="2400" dirty="0"/>
-              <a:t>a note pad write: </a:t>
-            </a:r>
-          </a:p>
-          <a:p>
-            <a:r>
-              <a:rPr lang="en-US" sz="2400" dirty="0"/>
-              <a:t>&lt;?xml version="1.0" encoding="UTF-8"?&gt;</a:t>
-            </a:r>
-          </a:p>
-          <a:p>
-            <a:r>
-              <a:rPr lang="en-US" sz="2400" dirty="0"/>
-              <a:t>&lt;</a:t>
-            </a:r>
-            <a:r>
-              <a:rPr lang="en-US" sz="2400" dirty="0" err="1"/>
-              <a:t>kml</a:t>
-            </a:r>
-            <a:r>
-              <a:rPr lang="en-US" sz="2400" dirty="0"/>
-              <a:t> </a:t>
-            </a:r>
-            <a:r>
-              <a:rPr lang="en-US" sz="2400" dirty="0" err="1"/>
-              <a:t>xmlns</a:t>
-            </a:r>
-            <a:r>
-              <a:rPr lang="en-US" sz="2400" dirty="0"/>
-              <a:t>="http://www.opengis.net/kml/2.2"&gt; </a:t>
-            </a:r>
-          </a:p>
-          <a:p>
-            <a:r>
-              <a:rPr lang="en-US" sz="2400" dirty="0"/>
-              <a:t>&lt;Document&gt;</a:t>
-            </a:r>
-          </a:p>
-          <a:p>
-            <a:r>
-              <a:rPr lang="en-US" sz="2400" dirty="0"/>
-              <a:t>	&lt;name&gt;Padma Bridge&lt;/name&gt;</a:t>
-            </a:r>
-          </a:p>
-          <a:p>
-            <a:endParaRPr lang="en-US" sz="2400" dirty="0" smtClean="0"/>
-          </a:p>
-          <a:p>
-            <a:r>
-              <a:rPr lang="en-US" sz="2400" dirty="0" smtClean="0"/>
-              <a:t> </a:t>
-            </a:r>
-            <a:endParaRPr lang="en-US" sz="2400" dirty="0"/>
-          </a:p>
-        </p:txBody>
-      </p:sp>
-    </p:spTree>
-    <p:extLst>
-      <p:ext uri="{BB962C8B-B14F-4D97-AF65-F5344CB8AC3E}">
-        <p14:creationId xmlns:p14="http://schemas.microsoft.com/office/powerpoint/2010/main" val="3812951333"/>
-      </p:ext>
-    </p:extLst>
-  </p:cSld>
-  <p:clrMapOvr>
-    <a:masterClrMapping/>
-  </p:clrMapOvr>
-  <p:timing>
-    <p:tnLst>
-      <p:par>
-        <p:cTn id="1" dur="indefinite" restart="never" nodeType="tmRoot"/>
-      </p:par>
-    </p:tnLst>
-  </p:timing>
-</p:sld>
-</file>
-
-<file path=ppt/slides/slide7.xml><?xml version="1.0" encoding="utf-8"?>
-<p:sld xmlns:a="http://schemas.openxmlformats.org/drawingml/2006/main" xmlns:r="http://schemas.openxmlformats.org/officeDocument/2006/relationships" xmlns:p="http://schemas.openxmlformats.org/presentationml/2006/main">
-  <p:cSld>
-    <p:spTree>
-      <p:nvGrpSpPr>
-        <p:cNvPr id="1" name=""/>
-        <p:cNvGrpSpPr/>
-        <p:nvPr/>
-      </p:nvGrpSpPr>
-      <p:grpSpPr>
-        <a:xfrm>
-          <a:off x="0" y="0"/>
-          <a:ext cx="0" cy="0"/>
-          <a:chOff x="0" y="0"/>
-          <a:chExt cx="0" cy="0"/>
-        </a:xfrm>
-      </p:grpSpPr>
-      <p:sp>
-        <p:nvSpPr>
-          <p:cNvPr id="2" name="TextBox 1">
-            <a:extLst>
-              <a:ext uri="{FF2B5EF4-FFF2-40B4-BE49-F238E27FC236}">
-                <a16:creationId xmlns:a16="http://schemas.microsoft.com/office/drawing/2014/main" id="{2CB3373B-A553-42D7-86D3-C731A4F933BF}"/>
-              </a:ext>
-            </a:extLst>
-          </p:cNvPr>
-          <p:cNvSpPr txBox="1"/>
-          <p:nvPr/>
-        </p:nvSpPr>
-        <p:spPr>
-          <a:xfrm>
-            <a:off x="-1205373" y="375201"/>
-            <a:ext cx="10176387" cy="646331"/>
-          </a:xfrm>
-          <a:prstGeom prst="rect">
-            <a:avLst/>
-          </a:prstGeom>
-          <a:noFill/>
-        </p:spPr>
-        <p:txBody>
-          <a:bodyPr wrap="square" rtlCol="0">
-            <a:spAutoFit/>
-          </a:bodyPr>
-          <a:lstStyle/>
-          <a:p>
-            <a:pPr algn="ctr"/>
-            <a:r>
-              <a:rPr lang="en-US" sz="3600" dirty="0"/>
-              <a:t>Creation of KML file on notepad</a:t>
-            </a:r>
-            <a:endParaRPr lang="en-US" sz="2800" b="1" dirty="0"/>
-          </a:p>
-        </p:txBody>
-      </p:sp>
-      <p:sp>
-        <p:nvSpPr>
-          <p:cNvPr id="4" name="Rectangle 3">
-            <a:extLst>
-              <a:ext uri="{FF2B5EF4-FFF2-40B4-BE49-F238E27FC236}">
-                <a16:creationId xmlns:a16="http://schemas.microsoft.com/office/drawing/2014/main" id="{90BF4B6F-26F9-4A63-B11E-3DE103CC1FD5}"/>
-              </a:ext>
-            </a:extLst>
-          </p:cNvPr>
-          <p:cNvSpPr/>
-          <p:nvPr/>
-        </p:nvSpPr>
-        <p:spPr>
-          <a:xfrm>
-            <a:off x="0" y="5949662"/>
-            <a:ext cx="12192000" cy="908337"/>
-          </a:xfrm>
-          <a:prstGeom prst="rect">
-            <a:avLst/>
-          </a:prstGeom>
-          <a:solidFill>
-            <a:schemeClr val="accent1"/>
-          </a:solidFill>
-        </p:spPr>
-        <p:style>
-          <a:lnRef idx="2">
-            <a:schemeClr val="accent1">
-              <a:shade val="50000"/>
-            </a:schemeClr>
-          </a:lnRef>
-          <a:fillRef idx="1">
-            <a:schemeClr val="accent1"/>
-          </a:fillRef>
-          <a:effectRef idx="0">
-            <a:schemeClr val="accent1"/>
-          </a:effectRef>
-          <a:fontRef idx="minor">
-            <a:schemeClr val="lt1"/>
-          </a:fontRef>
-        </p:style>
-        <p:txBody>
-          <a:bodyPr rtlCol="0" anchor="ctr"/>
-          <a:lstStyle/>
-          <a:p>
-            <a:pPr algn="ctr"/>
-            <a:endParaRPr lang="en-US" dirty="0"/>
-          </a:p>
-        </p:txBody>
-      </p:sp>
-      <p:pic>
-        <p:nvPicPr>
-          <p:cNvPr id="6" name="Picture 5">
-            <a:extLst>
-              <a:ext uri="{FF2B5EF4-FFF2-40B4-BE49-F238E27FC236}">
-                <a16:creationId xmlns:a16="http://schemas.microsoft.com/office/drawing/2014/main" id="{BF9B5DA1-5BC3-4118-868F-50A22FB78136}"/>
-              </a:ext>
-            </a:extLst>
-          </p:cNvPr>
-          <p:cNvPicPr>
-            <a:picLocks noChangeAspect="1"/>
-          </p:cNvPicPr>
-          <p:nvPr/>
-        </p:nvPicPr>
-        <p:blipFill>
-          <a:blip r:embed="rId2"/>
-          <a:stretch>
-            <a:fillRect/>
-          </a:stretch>
-        </p:blipFill>
-        <p:spPr>
-          <a:xfrm>
-            <a:off x="11261035" y="5959601"/>
-            <a:ext cx="930965" cy="908337"/>
-          </a:xfrm>
-          <a:prstGeom prst="rect">
-            <a:avLst/>
-          </a:prstGeom>
-        </p:spPr>
-      </p:pic>
-      <p:sp>
-        <p:nvSpPr>
-          <p:cNvPr id="7" name="TextBox 6">
-            <a:extLst>
-              <a:ext uri="{FF2B5EF4-FFF2-40B4-BE49-F238E27FC236}">
-                <a16:creationId xmlns:a16="http://schemas.microsoft.com/office/drawing/2014/main" id="{5397C601-3941-4420-B374-A1F4BC4BDCFC}"/>
-              </a:ext>
-            </a:extLst>
-          </p:cNvPr>
-          <p:cNvSpPr txBox="1"/>
-          <p:nvPr/>
-        </p:nvSpPr>
-        <p:spPr>
-          <a:xfrm>
-            <a:off x="805065" y="6042991"/>
-            <a:ext cx="10237304" cy="369332"/>
-          </a:xfrm>
-          <a:prstGeom prst="rect">
-            <a:avLst/>
-          </a:prstGeom>
-          <a:noFill/>
-        </p:spPr>
-        <p:txBody>
-          <a:bodyPr wrap="square" rtlCol="0">
-            <a:spAutoFit/>
-          </a:bodyPr>
-          <a:lstStyle/>
-          <a:p>
-            <a:pPr algn="r"/>
-            <a:r>
-              <a:rPr lang="en-US" dirty="0" smtClean="0">
-                <a:solidFill>
-                  <a:schemeClr val="bg1"/>
-                </a:solidFill>
-                <a:latin typeface="Berlin Sans FB" panose="020E0602020502020306" pitchFamily="34" charset="0"/>
-              </a:rPr>
-              <a:t>Bangladesh </a:t>
-            </a:r>
-            <a:r>
-              <a:rPr lang="en-US" dirty="0">
-                <a:solidFill>
-                  <a:schemeClr val="bg1"/>
-                </a:solidFill>
-                <a:latin typeface="Berlin Sans FB" panose="020E0602020502020306" pitchFamily="34" charset="0"/>
-              </a:rPr>
-              <a:t>Water Development Board (BWDB)</a:t>
-            </a:r>
-          </a:p>
-        </p:txBody>
-      </p:sp>
-      <p:sp>
-        <p:nvSpPr>
-          <p:cNvPr id="5" name="Rectangle 4"/>
-          <p:cNvSpPr/>
-          <p:nvPr/>
-        </p:nvSpPr>
-        <p:spPr>
-          <a:xfrm>
-            <a:off x="852921" y="1274117"/>
-            <a:ext cx="10486158" cy="5262979"/>
-          </a:xfrm>
-          <a:prstGeom prst="rect">
-            <a:avLst/>
-          </a:prstGeom>
-        </p:spPr>
-        <p:txBody>
-          <a:bodyPr wrap="square">
-            <a:spAutoFit/>
-          </a:bodyPr>
-          <a:lstStyle/>
-          <a:p>
-            <a:r>
-              <a:rPr lang="en-US" sz="2400" dirty="0"/>
-              <a:t>	&lt;</a:t>
-            </a:r>
-            <a:r>
-              <a:rPr lang="en-US" sz="2400" dirty="0" err="1"/>
-              <a:t>Placemark</a:t>
-            </a:r>
-            <a:r>
-              <a:rPr lang="en-US" sz="2400" dirty="0"/>
-              <a:t>&gt;</a:t>
-            </a:r>
-          </a:p>
-          <a:p>
-            <a:r>
-              <a:rPr lang="en-US" sz="2400" dirty="0"/>
-              <a:t>       &lt;name&gt;</a:t>
-            </a:r>
-            <a:r>
-              <a:rPr lang="en-US" sz="2400" dirty="0" err="1"/>
-              <a:t>Mawa</a:t>
-            </a:r>
-            <a:r>
-              <a:rPr lang="en-US" sz="2400" dirty="0"/>
-              <a:t> End&lt;/name&gt;</a:t>
-            </a:r>
-          </a:p>
-          <a:p>
-            <a:r>
-              <a:rPr lang="en-US" sz="2400" dirty="0"/>
-              <a:t>		&lt;Point&gt;	&lt;coordinates&gt;90.26442699999998,23.470181,0 &lt;/coordinates&gt;</a:t>
-            </a:r>
-          </a:p>
-          <a:p>
-            <a:r>
-              <a:rPr lang="en-US" sz="2400" dirty="0"/>
-              <a:t>		&lt;/Point&gt;</a:t>
-            </a:r>
-          </a:p>
-          <a:p>
-            <a:r>
-              <a:rPr lang="en-US" sz="2400" dirty="0"/>
-              <a:t>	&lt;/</a:t>
-            </a:r>
-            <a:r>
-              <a:rPr lang="en-US" sz="2400" dirty="0" err="1"/>
-              <a:t>Placemark</a:t>
-            </a:r>
-            <a:r>
-              <a:rPr lang="en-US" sz="2400" dirty="0"/>
-              <a:t>&gt;</a:t>
-            </a:r>
-          </a:p>
-          <a:p>
-            <a:r>
-              <a:rPr lang="en-US" sz="2400" dirty="0"/>
-              <a:t>&lt;</a:t>
-            </a:r>
-            <a:r>
-              <a:rPr lang="en-US" sz="2400" dirty="0" err="1"/>
-              <a:t>Placemark</a:t>
-            </a:r>
-            <a:r>
-              <a:rPr lang="en-US" sz="2400" dirty="0"/>
-              <a:t>&gt;</a:t>
-            </a:r>
-          </a:p>
-          <a:p>
-            <a:r>
-              <a:rPr lang="en-US" sz="2400" dirty="0"/>
-              <a:t>	&lt;name&gt;</a:t>
-            </a:r>
-            <a:r>
-              <a:rPr lang="en-US" sz="2400" dirty="0" err="1"/>
-              <a:t>Jajira</a:t>
-            </a:r>
-            <a:r>
-              <a:rPr lang="en-US" sz="2400" dirty="0"/>
-              <a:t> End&lt;/name&gt;</a:t>
-            </a:r>
-          </a:p>
-          <a:p>
-            <a:r>
-              <a:rPr lang="en-US" sz="2400" dirty="0"/>
-              <a:t>	&lt;Point&gt;</a:t>
-            </a:r>
-          </a:p>
-          <a:p>
-            <a:r>
-              <a:rPr lang="en-US" sz="2400" dirty="0"/>
-              <a:t>	&lt;coordinates&gt; 90.261215,23.442196,0 &lt;/coordinates&gt;</a:t>
-            </a:r>
-          </a:p>
-          <a:p>
-            <a:r>
-              <a:rPr lang="en-US" sz="2400" dirty="0"/>
-              <a:t>	&lt;/Point&gt;</a:t>
-            </a:r>
-          </a:p>
-          <a:p>
-            <a:r>
-              <a:rPr lang="en-US" sz="2400" dirty="0"/>
-              <a:t>&lt;/</a:t>
-            </a:r>
-            <a:r>
-              <a:rPr lang="en-US" sz="2400" dirty="0" err="1"/>
-              <a:t>Placemark</a:t>
-            </a:r>
-            <a:r>
-              <a:rPr lang="en-US" sz="2400" dirty="0"/>
-              <a:t>&gt;</a:t>
-            </a:r>
-          </a:p>
-          <a:p>
-            <a:endParaRPr lang="en-US" sz="2400" dirty="0" smtClean="0"/>
-          </a:p>
-          <a:p>
-            <a:r>
-              <a:rPr lang="en-US" sz="2400" dirty="0" smtClean="0"/>
-              <a:t> </a:t>
-            </a:r>
-            <a:endParaRPr lang="en-US" sz="2400" dirty="0"/>
-          </a:p>
-        </p:txBody>
-      </p:sp>
-    </p:spTree>
-    <p:extLst>
-      <p:ext uri="{BB962C8B-B14F-4D97-AF65-F5344CB8AC3E}">
-        <p14:creationId xmlns:p14="http://schemas.microsoft.com/office/powerpoint/2010/main" val="3141687679"/>
-      </p:ext>
-    </p:extLst>
-  </p:cSld>
-  <p:clrMapOvr>
-    <a:masterClrMapping/>
-  </p:clrMapOvr>
-  <p:timing>
-    <p:tnLst>
-      <p:par>
-        <p:cTn id="1" dur="indefinite" restart="never" nodeType="tmRoot"/>
-      </p:par>
-    </p:tnLst>
-  </p:timing>
-</p:sld>
-</file>
-
-<file path=ppt/slides/slide8.xml><?xml version="1.0" encoding="utf-8"?>
-<p:sld xmlns:a="http://schemas.openxmlformats.org/drawingml/2006/main" xmlns:r="http://schemas.openxmlformats.org/officeDocument/2006/relationships" xmlns:p="http://schemas.openxmlformats.org/presentationml/2006/main">
-  <p:cSld>
-    <p:spTree>
-      <p:nvGrpSpPr>
-        <p:cNvPr id="1" name=""/>
-        <p:cNvGrpSpPr/>
-        <p:nvPr/>
-      </p:nvGrpSpPr>
-      <p:grpSpPr>
-        <a:xfrm>
-          <a:off x="0" y="0"/>
-          <a:ext cx="0" cy="0"/>
-          <a:chOff x="0" y="0"/>
-          <a:chExt cx="0" cy="0"/>
-        </a:xfrm>
-      </p:grpSpPr>
-      <p:sp>
-        <p:nvSpPr>
-          <p:cNvPr id="2" name="TextBox 1">
-            <a:extLst>
-              <a:ext uri="{FF2B5EF4-FFF2-40B4-BE49-F238E27FC236}">
-                <a16:creationId xmlns:a16="http://schemas.microsoft.com/office/drawing/2014/main" id="{2CB3373B-A553-42D7-86D3-C731A4F933BF}"/>
-              </a:ext>
-            </a:extLst>
-          </p:cNvPr>
-          <p:cNvSpPr txBox="1"/>
-          <p:nvPr/>
-        </p:nvSpPr>
-        <p:spPr>
-          <a:xfrm>
-            <a:off x="-1205373" y="375201"/>
-            <a:ext cx="10176387" cy="646331"/>
-          </a:xfrm>
-          <a:prstGeom prst="rect">
-            <a:avLst/>
-          </a:prstGeom>
-          <a:noFill/>
-        </p:spPr>
-        <p:txBody>
-          <a:bodyPr wrap="square" rtlCol="0">
-            <a:spAutoFit/>
-          </a:bodyPr>
-          <a:lstStyle/>
-          <a:p>
-            <a:pPr algn="ctr"/>
-            <a:r>
-              <a:rPr lang="en-US" sz="3600" dirty="0"/>
-              <a:t>Creation of KML file on notepad</a:t>
-            </a:r>
-            <a:endParaRPr lang="en-US" sz="2800" b="1" dirty="0"/>
-          </a:p>
-        </p:txBody>
-      </p:sp>
-      <p:sp>
-        <p:nvSpPr>
-          <p:cNvPr id="4" name="Rectangle 3">
-            <a:extLst>
-              <a:ext uri="{FF2B5EF4-FFF2-40B4-BE49-F238E27FC236}">
-                <a16:creationId xmlns:a16="http://schemas.microsoft.com/office/drawing/2014/main" id="{90BF4B6F-26F9-4A63-B11E-3DE103CC1FD5}"/>
-              </a:ext>
-            </a:extLst>
-          </p:cNvPr>
-          <p:cNvSpPr/>
-          <p:nvPr/>
-        </p:nvSpPr>
-        <p:spPr>
-          <a:xfrm>
-            <a:off x="0" y="5949662"/>
-            <a:ext cx="12192000" cy="908337"/>
-          </a:xfrm>
-          <a:prstGeom prst="rect">
-            <a:avLst/>
-          </a:prstGeom>
-          <a:solidFill>
-            <a:schemeClr val="accent1"/>
-          </a:solidFill>
-        </p:spPr>
-        <p:style>
-          <a:lnRef idx="2">
-            <a:schemeClr val="accent1">
-              <a:shade val="50000"/>
-            </a:schemeClr>
-          </a:lnRef>
-          <a:fillRef idx="1">
-            <a:schemeClr val="accent1"/>
-          </a:fillRef>
-          <a:effectRef idx="0">
-            <a:schemeClr val="accent1"/>
-          </a:effectRef>
-          <a:fontRef idx="minor">
-            <a:schemeClr val="lt1"/>
-          </a:fontRef>
-        </p:style>
-        <p:txBody>
-          <a:bodyPr rtlCol="0" anchor="ctr"/>
-          <a:lstStyle/>
-          <a:p>
-            <a:pPr algn="ctr"/>
-            <a:endParaRPr lang="en-US" dirty="0"/>
-          </a:p>
-        </p:txBody>
-      </p:sp>
-      <p:pic>
-        <p:nvPicPr>
-          <p:cNvPr id="6" name="Picture 5">
-            <a:extLst>
-              <a:ext uri="{FF2B5EF4-FFF2-40B4-BE49-F238E27FC236}">
-                <a16:creationId xmlns:a16="http://schemas.microsoft.com/office/drawing/2014/main" id="{BF9B5DA1-5BC3-4118-868F-50A22FB78136}"/>
-              </a:ext>
-            </a:extLst>
-          </p:cNvPr>
-          <p:cNvPicPr>
-            <a:picLocks noChangeAspect="1"/>
-          </p:cNvPicPr>
-          <p:nvPr/>
-        </p:nvPicPr>
-        <p:blipFill>
-          <a:blip r:embed="rId2"/>
-          <a:stretch>
-            <a:fillRect/>
-          </a:stretch>
-        </p:blipFill>
-        <p:spPr>
-          <a:xfrm>
-            <a:off x="11261035" y="5959601"/>
-            <a:ext cx="930965" cy="908337"/>
-          </a:xfrm>
-          <a:prstGeom prst="rect">
-            <a:avLst/>
-          </a:prstGeom>
-        </p:spPr>
-      </p:pic>
-      <p:sp>
-        <p:nvSpPr>
-          <p:cNvPr id="7" name="TextBox 6">
-            <a:extLst>
-              <a:ext uri="{FF2B5EF4-FFF2-40B4-BE49-F238E27FC236}">
-                <a16:creationId xmlns:a16="http://schemas.microsoft.com/office/drawing/2014/main" id="{5397C601-3941-4420-B374-A1F4BC4BDCFC}"/>
-              </a:ext>
-            </a:extLst>
-          </p:cNvPr>
-          <p:cNvSpPr txBox="1"/>
-          <p:nvPr/>
-        </p:nvSpPr>
-        <p:spPr>
-          <a:xfrm>
-            <a:off x="805065" y="6042991"/>
-            <a:ext cx="10237304" cy="369332"/>
-          </a:xfrm>
-          <a:prstGeom prst="rect">
-            <a:avLst/>
-          </a:prstGeom>
-          <a:noFill/>
-        </p:spPr>
-        <p:txBody>
-          <a:bodyPr wrap="square" rtlCol="0">
-            <a:spAutoFit/>
-          </a:bodyPr>
-          <a:lstStyle/>
-          <a:p>
-            <a:pPr algn="r"/>
-            <a:r>
-              <a:rPr lang="en-US" dirty="0" smtClean="0">
-                <a:solidFill>
-                  <a:schemeClr val="bg1"/>
-                </a:solidFill>
-                <a:latin typeface="Berlin Sans FB" panose="020E0602020502020306" pitchFamily="34" charset="0"/>
-              </a:rPr>
-              <a:t>Bangladesh </a:t>
-            </a:r>
-            <a:r>
-              <a:rPr lang="en-US" dirty="0">
-                <a:solidFill>
-                  <a:schemeClr val="bg1"/>
-                </a:solidFill>
-                <a:latin typeface="Berlin Sans FB" panose="020E0602020502020306" pitchFamily="34" charset="0"/>
-              </a:rPr>
-              <a:t>Water Development Board (BWDB)</a:t>
-            </a:r>
-          </a:p>
-        </p:txBody>
-      </p:sp>
-      <p:sp>
-        <p:nvSpPr>
-          <p:cNvPr id="5" name="Rectangle 4"/>
-          <p:cNvSpPr/>
-          <p:nvPr/>
-        </p:nvSpPr>
-        <p:spPr>
-          <a:xfrm>
-            <a:off x="852921" y="1274117"/>
-            <a:ext cx="10486158" cy="830997"/>
-          </a:xfrm>
-          <a:prstGeom prst="rect">
-            <a:avLst/>
-          </a:prstGeom>
-        </p:spPr>
-        <p:txBody>
-          <a:bodyPr wrap="square">
-            <a:spAutoFit/>
-          </a:bodyPr>
-          <a:lstStyle/>
-          <a:p>
-            <a:endParaRPr lang="en-US" sz="2400" dirty="0" smtClean="0"/>
-          </a:p>
-          <a:p>
-            <a:r>
-              <a:rPr lang="en-US" sz="2400" dirty="0" smtClean="0"/>
-              <a:t> </a:t>
-            </a:r>
-            <a:endParaRPr lang="en-US" sz="2400" dirty="0"/>
-          </a:p>
-        </p:txBody>
-      </p:sp>
-      <p:sp>
-        <p:nvSpPr>
-          <p:cNvPr id="3" name="Rectangle 2"/>
-          <p:cNvSpPr/>
-          <p:nvPr/>
-        </p:nvSpPr>
-        <p:spPr>
-          <a:xfrm>
-            <a:off x="325315" y="1021532"/>
-            <a:ext cx="11201401" cy="3139321"/>
-          </a:xfrm>
-          <a:prstGeom prst="rect">
-            <a:avLst/>
-          </a:prstGeom>
-        </p:spPr>
-        <p:txBody>
-          <a:bodyPr wrap="square">
-            <a:spAutoFit/>
-          </a:bodyPr>
-          <a:lstStyle/>
-          <a:p>
-            <a:r>
-              <a:rPr lang="en-US" dirty="0"/>
-              <a:t>	&lt;</a:t>
-            </a:r>
-            <a:r>
-              <a:rPr lang="en-US" dirty="0" err="1"/>
-              <a:t>Placemark</a:t>
-            </a:r>
-            <a:r>
-              <a:rPr lang="en-US" dirty="0"/>
-              <a:t>&gt;</a:t>
-            </a:r>
-          </a:p>
-          <a:p>
-            <a:r>
-              <a:rPr lang="en-US" dirty="0"/>
-              <a:t>	&lt;name&gt;Bridge Line&lt;/name&gt;</a:t>
-            </a:r>
-          </a:p>
-          <a:p>
-            <a:r>
-              <a:rPr lang="en-US" dirty="0"/>
-              <a:t>	&lt;</a:t>
-            </a:r>
-            <a:r>
-              <a:rPr lang="en-US" dirty="0" err="1"/>
-              <a:t>LineString</a:t>
-            </a:r>
-            <a:r>
-              <a:rPr lang="en-US" dirty="0"/>
-              <a:t>&gt;</a:t>
-            </a:r>
-          </a:p>
-          <a:p>
-            <a:r>
-              <a:rPr lang="en-US" dirty="0"/>
-              <a:t>	&lt;coordinates&gt; </a:t>
-            </a:r>
-          </a:p>
-          <a:p>
-            <a:r>
-              <a:rPr lang="en-US" dirty="0"/>
-              <a:t>	90.26442699999998,23.470181,0</a:t>
-            </a:r>
-          </a:p>
-          <a:p>
-            <a:r>
-              <a:rPr lang="en-US" dirty="0"/>
-              <a:t>	90.261215,23.442196,0 </a:t>
-            </a:r>
-          </a:p>
-          <a:p>
-            <a:r>
-              <a:rPr lang="en-US" dirty="0"/>
-              <a:t>	</a:t>
-            </a:r>
-          </a:p>
-          <a:p>
-            <a:r>
-              <a:rPr lang="en-US" dirty="0"/>
-              <a:t>	</a:t>
-            </a:r>
-          </a:p>
-          <a:p>
-            <a:r>
-              <a:rPr lang="en-US" dirty="0"/>
-              <a:t>	&lt;/coordinates&gt;</a:t>
-            </a:r>
-          </a:p>
-          <a:p>
-            <a:r>
-              <a:rPr lang="en-US" dirty="0"/>
-              <a:t>	&lt;/</a:t>
-            </a:r>
-            <a:r>
-              <a:rPr lang="en-US" dirty="0" err="1"/>
-              <a:t>LineString</a:t>
-            </a:r>
-            <a:r>
-              <a:rPr lang="en-US" dirty="0"/>
-              <a:t>&gt;</a:t>
-            </a:r>
-          </a:p>
-          <a:p>
-            <a:r>
-              <a:rPr lang="en-US" dirty="0"/>
-              <a:t>	&lt;/</a:t>
-            </a:r>
-            <a:r>
-              <a:rPr lang="en-US" dirty="0" err="1"/>
-              <a:t>Placemark</a:t>
-            </a:r>
-            <a:r>
-              <a:rPr lang="en-US" dirty="0"/>
-              <a:t>&gt;</a:t>
-            </a:r>
-          </a:p>
-        </p:txBody>
-      </p:sp>
-    </p:spTree>
-    <p:extLst>
-      <p:ext uri="{BB962C8B-B14F-4D97-AF65-F5344CB8AC3E}">
-        <p14:creationId xmlns:p14="http://schemas.microsoft.com/office/powerpoint/2010/main" val="3418245552"/>
-      </p:ext>
-    </p:extLst>
-  </p:cSld>
-  <p:clrMapOvr>
-    <a:masterClrMapping/>
-  </p:clrMapOvr>
-  <p:timing>
-    <p:tnLst>
-      <p:par>
-        <p:cTn id="1" dur="indefinite" restart="never" nodeType="tmRoot"/>
-      </p:par>
-    </p:tnLst>
-  </p:timing>
-</p:sld>
-</file>
-
-<file path=ppt/slides/slide9.xml><?xml version="1.0" encoding="utf-8"?>
+<file path=ppt/slides/slide4.xml><?xml version="1.0" encoding="utf-8"?>
 <p:sld xmlns:a="http://schemas.openxmlformats.org/drawingml/2006/main" xmlns:r="http://schemas.openxmlformats.org/officeDocument/2006/relationships" xmlns:p="http://schemas.openxmlformats.org/presentationml/2006/main">
   <p:cSld>
     <p:bg>
@@ -6802,8 +4919,8 @@
         </p:nvSpPr>
         <p:spPr>
           <a:xfrm>
-            <a:off x="1023296" y="2362155"/>
-            <a:ext cx="10176387" cy="1323439"/>
+            <a:off x="-3852458" y="235526"/>
+            <a:ext cx="10176387" cy="646331"/>
           </a:xfrm>
           <a:prstGeom prst="rect">
             <a:avLst/>
@@ -6818,14 +4935,10 @@
           <a:p>
             <a:pPr algn="ctr"/>
             <a:r>
-              <a:rPr lang="en-US" sz="8000" dirty="0" smtClean="0">
-                <a:solidFill>
-                  <a:schemeClr val="accent2"/>
-                </a:solidFill>
-              </a:rPr>
-              <a:t>Thank You!!!!!</a:t>
-            </a:r>
-            <a:endParaRPr lang="en-US" sz="8000" dirty="0"/>
+              <a:rPr lang="en-US" sz="3600" b="1" dirty="0"/>
+              <a:t>KML File</a:t>
+            </a:r>
+            <a:endParaRPr lang="en-US" sz="2800" b="1" dirty="0"/>
           </a:p>
         </p:txBody>
       </p:sp>
@@ -6938,22 +5051,74 @@
           <a:p>
             <a:pPr algn="r"/>
             <a:r>
-              <a:rPr lang="en-US" dirty="0" smtClean="0">
-                <a:solidFill>
-                  <a:schemeClr val="bg1"/>
-                </a:solidFill>
-                <a:latin typeface="Berlin Sans FB" panose="020E0602020502020306" pitchFamily="34" charset="0"/>
-              </a:rPr>
-              <a:t>Bangladesh </a:t>
-            </a:r>
-            <a:r>
               <a:rPr lang="en-US" dirty="0">
                 <a:solidFill>
                   <a:schemeClr val="bg1"/>
                 </a:solidFill>
                 <a:latin typeface="Berlin Sans FB" panose="020E0602020502020306" pitchFamily="34" charset="0"/>
               </a:rPr>
-              <a:t>Water Development Board (BWDB)</a:t>
+              <a:t>Bangladesh Water Development Board (BWDB)</a:t>
+            </a:r>
+          </a:p>
+        </p:txBody>
+      </p:sp>
+      <p:sp>
+        <p:nvSpPr>
+          <p:cNvPr id="5" name="Rectangle 4"/>
+          <p:cNvSpPr/>
+          <p:nvPr/>
+        </p:nvSpPr>
+        <p:spPr>
+          <a:xfrm>
+            <a:off x="361950" y="1108800"/>
+            <a:ext cx="7996238" cy="3323987"/>
+          </a:xfrm>
+          <a:prstGeom prst="rect">
+            <a:avLst/>
+          </a:prstGeom>
+        </p:spPr>
+        <p:txBody>
+          <a:bodyPr wrap="square">
+            <a:spAutoFit/>
+          </a:bodyPr>
+          <a:lstStyle/>
+          <a:p>
+            <a:r>
+              <a:rPr lang="en-US" sz="3000" dirty="0"/>
+              <a:t>KML: Keyhole Markup Language</a:t>
+            </a:r>
+          </a:p>
+          <a:p>
+            <a:endParaRPr lang="en-US" sz="3000" dirty="0"/>
+          </a:p>
+          <a:p>
+            <a:pPr marL="457200" indent="-457200">
+              <a:buFont typeface="Wingdings" panose="05000000000000000000" pitchFamily="2" charset="2"/>
+              <a:buChar char="Ø"/>
+            </a:pPr>
+            <a:r>
+              <a:rPr lang="en-US" sz="3000" dirty="0"/>
+              <a:t>It’s File Format used to display geographic data in earth browser.</a:t>
+            </a:r>
+          </a:p>
+          <a:p>
+            <a:pPr marL="457200" indent="-457200">
+              <a:buFont typeface="Wingdings" panose="05000000000000000000" pitchFamily="2" charset="2"/>
+              <a:buChar char="Ø"/>
+            </a:pPr>
+            <a:r>
+              <a:rPr lang="en-US" sz="3000" dirty="0"/>
+              <a:t>KML uses tag-based structure with nested elements and attributes.</a:t>
+            </a:r>
+          </a:p>
+          <a:p>
+            <a:pPr marL="457200" indent="-457200">
+              <a:buFont typeface="Wingdings" panose="05000000000000000000" pitchFamily="2" charset="2"/>
+              <a:buChar char="Ø"/>
+            </a:pPr>
+            <a:r>
+              <a:rPr lang="en-US" sz="3000" dirty="0"/>
+              <a:t>KML basically based on xml data format.</a:t>
             </a:r>
           </a:p>
         </p:txBody>
@@ -6968,16 +5133,1719 @@
   <p:clrMapOvr>
     <a:masterClrMapping/>
   </p:clrMapOvr>
-  <p:transition>
-    <p:wipe dir="d"/>
-  </p:transition>
-  <p:timing>
-    <p:tnLst>
-      <p:par>
-        <p:cTn id="1" dur="indefinite" restart="never" nodeType="tmRoot"/>
-      </p:par>
-    </p:tnLst>
-  </p:timing>
+</p:sld>
+</file>
+
+<file path=ppt/slides/slide5.xml><?xml version="1.0" encoding="utf-8"?>
+<p:sld xmlns:a="http://schemas.openxmlformats.org/drawingml/2006/main" xmlns:r="http://schemas.openxmlformats.org/officeDocument/2006/relationships" xmlns:p="http://schemas.openxmlformats.org/presentationml/2006/main">
+  <p:cSld>
+    <p:spTree>
+      <p:nvGrpSpPr>
+        <p:cNvPr id="1" name=""/>
+        <p:cNvGrpSpPr/>
+        <p:nvPr/>
+      </p:nvGrpSpPr>
+      <p:grpSpPr>
+        <a:xfrm>
+          <a:off x="0" y="0"/>
+          <a:ext cx="0" cy="0"/>
+          <a:chOff x="0" y="0"/>
+          <a:chExt cx="0" cy="0"/>
+        </a:xfrm>
+      </p:grpSpPr>
+      <p:sp>
+        <p:nvSpPr>
+          <p:cNvPr id="2" name="TextBox 1">
+            <a:extLst>
+              <a:ext uri="{FF2B5EF4-FFF2-40B4-BE49-F238E27FC236}">
+                <a16:creationId xmlns:a16="http://schemas.microsoft.com/office/drawing/2014/main" id="{2CB3373B-A553-42D7-86D3-C731A4F933BF}"/>
+              </a:ext>
+            </a:extLst>
+          </p:cNvPr>
+          <p:cNvSpPr txBox="1"/>
+          <p:nvPr/>
+        </p:nvSpPr>
+        <p:spPr>
+          <a:xfrm>
+            <a:off x="-2327592" y="309904"/>
+            <a:ext cx="10176387" cy="646331"/>
+          </a:xfrm>
+          <a:prstGeom prst="rect">
+            <a:avLst/>
+          </a:prstGeom>
+          <a:noFill/>
+        </p:spPr>
+        <p:txBody>
+          <a:bodyPr wrap="square" rtlCol="0">
+            <a:spAutoFit/>
+          </a:bodyPr>
+          <a:lstStyle/>
+          <a:p>
+            <a:pPr algn="ctr"/>
+            <a:r>
+              <a:rPr lang="en-US" sz="3600" dirty="0"/>
+              <a:t>Tag-based structure</a:t>
+            </a:r>
+            <a:endParaRPr lang="en-US" sz="2800" b="1" dirty="0"/>
+          </a:p>
+        </p:txBody>
+      </p:sp>
+      <p:sp>
+        <p:nvSpPr>
+          <p:cNvPr id="4" name="Rectangle 3">
+            <a:extLst>
+              <a:ext uri="{FF2B5EF4-FFF2-40B4-BE49-F238E27FC236}">
+                <a16:creationId xmlns:a16="http://schemas.microsoft.com/office/drawing/2014/main" id="{90BF4B6F-26F9-4A63-B11E-3DE103CC1FD5}"/>
+              </a:ext>
+            </a:extLst>
+          </p:cNvPr>
+          <p:cNvSpPr/>
+          <p:nvPr/>
+        </p:nvSpPr>
+        <p:spPr>
+          <a:xfrm>
+            <a:off x="0" y="5949662"/>
+            <a:ext cx="12192000" cy="908337"/>
+          </a:xfrm>
+          <a:prstGeom prst="rect">
+            <a:avLst/>
+          </a:prstGeom>
+          <a:solidFill>
+            <a:schemeClr val="accent1"/>
+          </a:solidFill>
+        </p:spPr>
+        <p:style>
+          <a:lnRef idx="2">
+            <a:schemeClr val="accent1">
+              <a:shade val="50000"/>
+            </a:schemeClr>
+          </a:lnRef>
+          <a:fillRef idx="1">
+            <a:schemeClr val="accent1"/>
+          </a:fillRef>
+          <a:effectRef idx="0">
+            <a:schemeClr val="accent1"/>
+          </a:effectRef>
+          <a:fontRef idx="minor">
+            <a:schemeClr val="lt1"/>
+          </a:fontRef>
+        </p:style>
+        <p:txBody>
+          <a:bodyPr rtlCol="0" anchor="ctr"/>
+          <a:lstStyle/>
+          <a:p>
+            <a:pPr algn="ctr"/>
+            <a:endParaRPr lang="en-US" dirty="0"/>
+          </a:p>
+        </p:txBody>
+      </p:sp>
+      <p:pic>
+        <p:nvPicPr>
+          <p:cNvPr id="6" name="Picture 5">
+            <a:extLst>
+              <a:ext uri="{FF2B5EF4-FFF2-40B4-BE49-F238E27FC236}">
+                <a16:creationId xmlns:a16="http://schemas.microsoft.com/office/drawing/2014/main" id="{BF9B5DA1-5BC3-4118-868F-50A22FB78136}"/>
+              </a:ext>
+            </a:extLst>
+          </p:cNvPr>
+          <p:cNvPicPr>
+            <a:picLocks noChangeAspect="1"/>
+          </p:cNvPicPr>
+          <p:nvPr/>
+        </p:nvPicPr>
+        <p:blipFill>
+          <a:blip r:embed="rId2"/>
+          <a:stretch>
+            <a:fillRect/>
+          </a:stretch>
+        </p:blipFill>
+        <p:spPr>
+          <a:xfrm>
+            <a:off x="11261035" y="5959601"/>
+            <a:ext cx="930965" cy="908337"/>
+          </a:xfrm>
+          <a:prstGeom prst="rect">
+            <a:avLst/>
+          </a:prstGeom>
+        </p:spPr>
+      </p:pic>
+      <p:sp>
+        <p:nvSpPr>
+          <p:cNvPr id="7" name="TextBox 6">
+            <a:extLst>
+              <a:ext uri="{FF2B5EF4-FFF2-40B4-BE49-F238E27FC236}">
+                <a16:creationId xmlns:a16="http://schemas.microsoft.com/office/drawing/2014/main" id="{5397C601-3941-4420-B374-A1F4BC4BDCFC}"/>
+              </a:ext>
+            </a:extLst>
+          </p:cNvPr>
+          <p:cNvSpPr txBox="1"/>
+          <p:nvPr/>
+        </p:nvSpPr>
+        <p:spPr>
+          <a:xfrm>
+            <a:off x="805065" y="6042991"/>
+            <a:ext cx="10237304" cy="369332"/>
+          </a:xfrm>
+          <a:prstGeom prst="rect">
+            <a:avLst/>
+          </a:prstGeom>
+          <a:noFill/>
+        </p:spPr>
+        <p:txBody>
+          <a:bodyPr wrap="square" rtlCol="0">
+            <a:spAutoFit/>
+          </a:bodyPr>
+          <a:lstStyle/>
+          <a:p>
+            <a:pPr algn="r"/>
+            <a:r>
+              <a:rPr lang="en-US" dirty="0">
+                <a:solidFill>
+                  <a:schemeClr val="bg1"/>
+                </a:solidFill>
+                <a:latin typeface="Berlin Sans FB" panose="020E0602020502020306" pitchFamily="34" charset="0"/>
+              </a:rPr>
+              <a:t>Bangladesh Water Development Board (BWDB)</a:t>
+            </a:r>
+          </a:p>
+        </p:txBody>
+      </p:sp>
+      <p:sp>
+        <p:nvSpPr>
+          <p:cNvPr id="5" name="Rectangle 4"/>
+          <p:cNvSpPr/>
+          <p:nvPr/>
+        </p:nvSpPr>
+        <p:spPr>
+          <a:xfrm>
+            <a:off x="927276" y="1266008"/>
+            <a:ext cx="10333759" cy="4693593"/>
+          </a:xfrm>
+          <a:prstGeom prst="rect">
+            <a:avLst/>
+          </a:prstGeom>
+        </p:spPr>
+        <p:txBody>
+          <a:bodyPr wrap="square">
+            <a:spAutoFit/>
+          </a:bodyPr>
+          <a:lstStyle/>
+          <a:p>
+            <a:r>
+              <a:rPr lang="en-US" sz="2300" dirty="0">
+                <a:cs typeface="Times New Roman" panose="02020603050405020304" pitchFamily="18" charset="0"/>
+              </a:rPr>
+              <a:t>Every Tag performs different task.</a:t>
+            </a:r>
+          </a:p>
+          <a:p>
+            <a:r>
+              <a:rPr lang="en-US" sz="2300" dirty="0">
+                <a:cs typeface="Times New Roman" panose="02020603050405020304" pitchFamily="18" charset="0"/>
+              </a:rPr>
+              <a:t>General Tags: &lt;</a:t>
+            </a:r>
+            <a:r>
+              <a:rPr lang="en-US" sz="2300" dirty="0" err="1">
+                <a:cs typeface="Times New Roman" panose="02020603050405020304" pitchFamily="18" charset="0"/>
+              </a:rPr>
+              <a:t>tagname</a:t>
+            </a:r>
+            <a:r>
+              <a:rPr lang="en-US" sz="2300" dirty="0">
+                <a:cs typeface="Times New Roman" panose="02020603050405020304" pitchFamily="18" charset="0"/>
+              </a:rPr>
+              <a:t>&gt;Data&lt;/</a:t>
+            </a:r>
+            <a:r>
+              <a:rPr lang="en-US" sz="2300" dirty="0" err="1">
+                <a:cs typeface="Times New Roman" panose="02020603050405020304" pitchFamily="18" charset="0"/>
+              </a:rPr>
+              <a:t>tagname</a:t>
+            </a:r>
+            <a:r>
+              <a:rPr lang="en-US" sz="2300" dirty="0">
+                <a:cs typeface="Times New Roman" panose="02020603050405020304" pitchFamily="18" charset="0"/>
+              </a:rPr>
+              <a:t>&gt;</a:t>
+            </a:r>
+          </a:p>
+          <a:p>
+            <a:r>
+              <a:rPr lang="en-US" sz="2300" dirty="0">
+                <a:cs typeface="Times New Roman" panose="02020603050405020304" pitchFamily="18" charset="0"/>
+              </a:rPr>
+              <a:t>In special </a:t>
+            </a:r>
+            <a:r>
+              <a:rPr lang="en-US" sz="2300" dirty="0" err="1">
+                <a:cs typeface="Times New Roman" panose="02020603050405020304" pitchFamily="18" charset="0"/>
+              </a:rPr>
+              <a:t>Special</a:t>
+            </a:r>
+            <a:r>
+              <a:rPr lang="en-US" sz="2300" dirty="0">
+                <a:cs typeface="Times New Roman" panose="02020603050405020304" pitchFamily="18" charset="0"/>
+              </a:rPr>
+              <a:t> Tags:&lt;</a:t>
+            </a:r>
+            <a:r>
+              <a:rPr lang="en-US" sz="2300" dirty="0" err="1">
+                <a:cs typeface="Times New Roman" panose="02020603050405020304" pitchFamily="18" charset="0"/>
+              </a:rPr>
+              <a:t>tagname</a:t>
+            </a:r>
+            <a:r>
+              <a:rPr lang="en-US" sz="2300" dirty="0">
+                <a:cs typeface="Times New Roman" panose="02020603050405020304" pitchFamily="18" charset="0"/>
+              </a:rPr>
+              <a:t>&gt;</a:t>
+            </a:r>
+          </a:p>
+          <a:p>
+            <a:endParaRPr lang="en-US" sz="2300" dirty="0">
+              <a:cs typeface="Times New Roman" panose="02020603050405020304" pitchFamily="18" charset="0"/>
+            </a:endParaRPr>
+          </a:p>
+          <a:p>
+            <a:r>
+              <a:rPr lang="en-US" sz="2300" dirty="0">
+                <a:cs typeface="Times New Roman" panose="02020603050405020304" pitchFamily="18" charset="0"/>
+              </a:rPr>
+              <a:t>For example: General Tag</a:t>
+            </a:r>
+          </a:p>
+          <a:p>
+            <a:r>
+              <a:rPr lang="en-US" altLang="en-US" sz="2300" dirty="0">
+                <a:cs typeface="Times New Roman" panose="02020603050405020304" pitchFamily="18" charset="0"/>
+              </a:rPr>
+              <a:t>&lt;coordinates&gt; -112.265,36.094,630 </a:t>
+            </a:r>
+          </a:p>
+          <a:p>
+            <a:r>
+              <a:rPr lang="en-US" altLang="en-US" sz="2300" dirty="0">
+                <a:cs typeface="Times New Roman" panose="02020603050405020304" pitchFamily="18" charset="0"/>
+              </a:rPr>
+              <a:t>-112.265,36.095,630 &lt;/coordinates&gt;</a:t>
+            </a:r>
+          </a:p>
+          <a:p>
+            <a:r>
+              <a:rPr lang="en-US" sz="2300" dirty="0">
+                <a:cs typeface="Times New Roman" panose="02020603050405020304" pitchFamily="18" charset="0"/>
+              </a:rPr>
+              <a:t>Above Line Represents coordinates of a Line.</a:t>
+            </a:r>
+          </a:p>
+          <a:p>
+            <a:r>
+              <a:rPr lang="en-US" sz="2300" dirty="0">
+                <a:cs typeface="Times New Roman" panose="02020603050405020304" pitchFamily="18" charset="0"/>
+              </a:rPr>
+              <a:t>&lt;coordinates&gt; : begins coordinate input.</a:t>
+            </a:r>
+          </a:p>
+          <a:p>
+            <a:r>
+              <a:rPr lang="en-US" sz="2300" dirty="0">
+                <a:cs typeface="Times New Roman" panose="02020603050405020304" pitchFamily="18" charset="0"/>
+              </a:rPr>
+              <a:t>-112.265,36.094,630  :</a:t>
+            </a:r>
+            <a:r>
+              <a:rPr lang="en-US" sz="2300" dirty="0" err="1">
+                <a:cs typeface="Times New Roman" panose="02020603050405020304" pitchFamily="18" charset="0"/>
+              </a:rPr>
+              <a:t>x,y,z</a:t>
+            </a:r>
+            <a:r>
+              <a:rPr lang="en-US" sz="2300" dirty="0">
+                <a:cs typeface="Times New Roman" panose="02020603050405020304" pitchFamily="18" charset="0"/>
+              </a:rPr>
+              <a:t> of the first point.</a:t>
+            </a:r>
+          </a:p>
+          <a:p>
+            <a:r>
+              <a:rPr lang="en-US" altLang="en-US" sz="2300" dirty="0">
+                <a:cs typeface="Times New Roman" panose="02020603050405020304" pitchFamily="18" charset="0"/>
+              </a:rPr>
+              <a:t>112.265,36.095,630 :</a:t>
+            </a:r>
+            <a:r>
+              <a:rPr lang="en-US" altLang="en-US" sz="2300" dirty="0" err="1">
+                <a:cs typeface="Times New Roman" panose="02020603050405020304" pitchFamily="18" charset="0"/>
+              </a:rPr>
+              <a:t>x,y,z</a:t>
+            </a:r>
+            <a:r>
+              <a:rPr lang="en-US" altLang="en-US" sz="2300" dirty="0">
+                <a:cs typeface="Times New Roman" panose="02020603050405020304" pitchFamily="18" charset="0"/>
+              </a:rPr>
+              <a:t> of the second point.</a:t>
+            </a:r>
+          </a:p>
+          <a:p>
+            <a:r>
+              <a:rPr lang="en-US" altLang="en-US" sz="2300" dirty="0">
+                <a:cs typeface="Times New Roman" panose="02020603050405020304" pitchFamily="18" charset="0"/>
+              </a:rPr>
+              <a:t>&lt;/coordinates&gt;: end of coordinate input.</a:t>
+            </a:r>
+          </a:p>
+          <a:p>
+            <a:r>
+              <a:rPr lang="en-US" altLang="en-US" sz="2300" dirty="0" err="1">
+                <a:cs typeface="Times New Roman" panose="02020603050405020304" pitchFamily="18" charset="0"/>
+              </a:rPr>
+              <a:t>Notice:there</a:t>
+            </a:r>
+            <a:r>
+              <a:rPr lang="en-US" altLang="en-US" sz="2300" dirty="0">
+                <a:cs typeface="Times New Roman" panose="02020603050405020304" pitchFamily="18" charset="0"/>
+              </a:rPr>
+              <a:t> is no comma between points,.</a:t>
+            </a:r>
+          </a:p>
+        </p:txBody>
+      </p:sp>
+    </p:spTree>
+    <p:extLst>
+      <p:ext uri="{BB962C8B-B14F-4D97-AF65-F5344CB8AC3E}">
+        <p14:creationId xmlns:p14="http://schemas.microsoft.com/office/powerpoint/2010/main" val="1259759272"/>
+      </p:ext>
+    </p:extLst>
+  </p:cSld>
+  <p:clrMapOvr>
+    <a:masterClrMapping/>
+  </p:clrMapOvr>
+</p:sld>
+</file>
+
+<file path=ppt/slides/slide6.xml><?xml version="1.0" encoding="utf-8"?>
+<p:sld xmlns:a="http://schemas.openxmlformats.org/drawingml/2006/main" xmlns:r="http://schemas.openxmlformats.org/officeDocument/2006/relationships" xmlns:p="http://schemas.openxmlformats.org/presentationml/2006/main">
+  <p:cSld>
+    <p:spTree>
+      <p:nvGrpSpPr>
+        <p:cNvPr id="1" name=""/>
+        <p:cNvGrpSpPr/>
+        <p:nvPr/>
+      </p:nvGrpSpPr>
+      <p:grpSpPr>
+        <a:xfrm>
+          <a:off x="0" y="0"/>
+          <a:ext cx="0" cy="0"/>
+          <a:chOff x="0" y="0"/>
+          <a:chExt cx="0" cy="0"/>
+        </a:xfrm>
+      </p:grpSpPr>
+      <p:sp>
+        <p:nvSpPr>
+          <p:cNvPr id="2" name="TextBox 1">
+            <a:extLst>
+              <a:ext uri="{FF2B5EF4-FFF2-40B4-BE49-F238E27FC236}">
+                <a16:creationId xmlns:a16="http://schemas.microsoft.com/office/drawing/2014/main" id="{2CB3373B-A553-42D7-86D3-C731A4F933BF}"/>
+              </a:ext>
+            </a:extLst>
+          </p:cNvPr>
+          <p:cNvSpPr txBox="1"/>
+          <p:nvPr/>
+        </p:nvSpPr>
+        <p:spPr>
+          <a:xfrm>
+            <a:off x="-2438428" y="375202"/>
+            <a:ext cx="10176387" cy="646331"/>
+          </a:xfrm>
+          <a:prstGeom prst="rect">
+            <a:avLst/>
+          </a:prstGeom>
+          <a:noFill/>
+        </p:spPr>
+        <p:txBody>
+          <a:bodyPr wrap="square" rtlCol="0">
+            <a:spAutoFit/>
+          </a:bodyPr>
+          <a:lstStyle/>
+          <a:p>
+            <a:pPr algn="ctr"/>
+            <a:r>
+              <a:rPr lang="en-US" sz="3600" dirty="0"/>
+              <a:t>Tag-based structure</a:t>
+            </a:r>
+            <a:endParaRPr lang="en-US" sz="2800" b="1" dirty="0"/>
+          </a:p>
+        </p:txBody>
+      </p:sp>
+      <p:sp>
+        <p:nvSpPr>
+          <p:cNvPr id="4" name="Rectangle 3">
+            <a:extLst>
+              <a:ext uri="{FF2B5EF4-FFF2-40B4-BE49-F238E27FC236}">
+                <a16:creationId xmlns:a16="http://schemas.microsoft.com/office/drawing/2014/main" id="{90BF4B6F-26F9-4A63-B11E-3DE103CC1FD5}"/>
+              </a:ext>
+            </a:extLst>
+          </p:cNvPr>
+          <p:cNvSpPr/>
+          <p:nvPr/>
+        </p:nvSpPr>
+        <p:spPr>
+          <a:xfrm>
+            <a:off x="0" y="5949662"/>
+            <a:ext cx="12192000" cy="908337"/>
+          </a:xfrm>
+          <a:prstGeom prst="rect">
+            <a:avLst/>
+          </a:prstGeom>
+          <a:solidFill>
+            <a:schemeClr val="accent1"/>
+          </a:solidFill>
+        </p:spPr>
+        <p:style>
+          <a:lnRef idx="2">
+            <a:schemeClr val="accent1">
+              <a:shade val="50000"/>
+            </a:schemeClr>
+          </a:lnRef>
+          <a:fillRef idx="1">
+            <a:schemeClr val="accent1"/>
+          </a:fillRef>
+          <a:effectRef idx="0">
+            <a:schemeClr val="accent1"/>
+          </a:effectRef>
+          <a:fontRef idx="minor">
+            <a:schemeClr val="lt1"/>
+          </a:fontRef>
+        </p:style>
+        <p:txBody>
+          <a:bodyPr rtlCol="0" anchor="ctr"/>
+          <a:lstStyle/>
+          <a:p>
+            <a:pPr algn="ctr"/>
+            <a:endParaRPr lang="en-US" dirty="0"/>
+          </a:p>
+        </p:txBody>
+      </p:sp>
+      <p:pic>
+        <p:nvPicPr>
+          <p:cNvPr id="6" name="Picture 5">
+            <a:extLst>
+              <a:ext uri="{FF2B5EF4-FFF2-40B4-BE49-F238E27FC236}">
+                <a16:creationId xmlns:a16="http://schemas.microsoft.com/office/drawing/2014/main" id="{BF9B5DA1-5BC3-4118-868F-50A22FB78136}"/>
+              </a:ext>
+            </a:extLst>
+          </p:cNvPr>
+          <p:cNvPicPr>
+            <a:picLocks noChangeAspect="1"/>
+          </p:cNvPicPr>
+          <p:nvPr/>
+        </p:nvPicPr>
+        <p:blipFill>
+          <a:blip r:embed="rId2"/>
+          <a:stretch>
+            <a:fillRect/>
+          </a:stretch>
+        </p:blipFill>
+        <p:spPr>
+          <a:xfrm>
+            <a:off x="11261035" y="5959601"/>
+            <a:ext cx="930965" cy="908337"/>
+          </a:xfrm>
+          <a:prstGeom prst="rect">
+            <a:avLst/>
+          </a:prstGeom>
+        </p:spPr>
+      </p:pic>
+      <p:sp>
+        <p:nvSpPr>
+          <p:cNvPr id="7" name="TextBox 6">
+            <a:extLst>
+              <a:ext uri="{FF2B5EF4-FFF2-40B4-BE49-F238E27FC236}">
+                <a16:creationId xmlns:a16="http://schemas.microsoft.com/office/drawing/2014/main" id="{5397C601-3941-4420-B374-A1F4BC4BDCFC}"/>
+              </a:ext>
+            </a:extLst>
+          </p:cNvPr>
+          <p:cNvSpPr txBox="1"/>
+          <p:nvPr/>
+        </p:nvSpPr>
+        <p:spPr>
+          <a:xfrm>
+            <a:off x="805065" y="6042991"/>
+            <a:ext cx="10237304" cy="369332"/>
+          </a:xfrm>
+          <a:prstGeom prst="rect">
+            <a:avLst/>
+          </a:prstGeom>
+          <a:noFill/>
+        </p:spPr>
+        <p:txBody>
+          <a:bodyPr wrap="square" rtlCol="0">
+            <a:spAutoFit/>
+          </a:bodyPr>
+          <a:lstStyle/>
+          <a:p>
+            <a:pPr algn="r"/>
+            <a:r>
+              <a:rPr lang="en-US" dirty="0">
+                <a:solidFill>
+                  <a:schemeClr val="bg1"/>
+                </a:solidFill>
+                <a:latin typeface="Berlin Sans FB" panose="020E0602020502020306" pitchFamily="34" charset="0"/>
+              </a:rPr>
+              <a:t>Bangladesh Water Development Board (BWDB)</a:t>
+            </a:r>
+          </a:p>
+        </p:txBody>
+      </p:sp>
+      <p:sp>
+        <p:nvSpPr>
+          <p:cNvPr id="5" name="Rectangle 4"/>
+          <p:cNvSpPr/>
+          <p:nvPr/>
+        </p:nvSpPr>
+        <p:spPr>
+          <a:xfrm>
+            <a:off x="805065" y="1592771"/>
+            <a:ext cx="10486158" cy="3785652"/>
+          </a:xfrm>
+          <a:prstGeom prst="rect">
+            <a:avLst/>
+          </a:prstGeom>
+        </p:spPr>
+        <p:txBody>
+          <a:bodyPr wrap="square">
+            <a:spAutoFit/>
+          </a:bodyPr>
+          <a:lstStyle/>
+          <a:p>
+            <a:r>
+              <a:rPr lang="en-US" sz="2400" dirty="0"/>
+              <a:t>For example: Special Tag</a:t>
+            </a:r>
+          </a:p>
+          <a:p>
+            <a:r>
+              <a:rPr lang="en-US" sz="2400" dirty="0"/>
+              <a:t>This type of Tag do not have any definite </a:t>
+            </a:r>
+            <a:r>
+              <a:rPr lang="en-US" sz="2400" dirty="0" err="1"/>
+              <a:t>end.Usually</a:t>
+            </a:r>
+            <a:r>
+              <a:rPr lang="en-US" sz="2400" dirty="0"/>
+              <a:t> have a beginning and some attributes encoded in them.</a:t>
+            </a:r>
+          </a:p>
+          <a:p>
+            <a:r>
+              <a:rPr lang="en-US" altLang="en-US" sz="2400" dirty="0">
+                <a:latin typeface="Arial Unicode MS" panose="020B0604020202020204" pitchFamily="34" charset="-128"/>
+              </a:rPr>
+              <a:t>&lt;</a:t>
+            </a:r>
+            <a:r>
+              <a:rPr lang="en-US" altLang="en-US" sz="2400" dirty="0" err="1">
+                <a:latin typeface="Arial Unicode MS" panose="020B0604020202020204" pitchFamily="34" charset="-128"/>
+              </a:rPr>
+              <a:t>kml</a:t>
+            </a:r>
+            <a:r>
+              <a:rPr lang="en-US" altLang="en-US" sz="2400" dirty="0">
+                <a:latin typeface="Arial Unicode MS" panose="020B0604020202020204" pitchFamily="34" charset="-128"/>
+              </a:rPr>
+              <a:t> </a:t>
+            </a:r>
+            <a:r>
+              <a:rPr lang="en-US" altLang="en-US" sz="2400" dirty="0" err="1">
+                <a:latin typeface="Arial Unicode MS" panose="020B0604020202020204" pitchFamily="34" charset="-128"/>
+              </a:rPr>
+              <a:t>xmlns</a:t>
+            </a:r>
+            <a:r>
+              <a:rPr lang="en-US" altLang="en-US" sz="2400" dirty="0">
+                <a:latin typeface="Arial Unicode MS" panose="020B0604020202020204" pitchFamily="34" charset="-128"/>
+              </a:rPr>
+              <a:t>="http://www.opengis.net/kml/2.2"&gt;</a:t>
+            </a:r>
+            <a:r>
+              <a:rPr lang="en-US" altLang="en-US" sz="2400" dirty="0"/>
+              <a:t> </a:t>
+            </a:r>
+          </a:p>
+          <a:p>
+            <a:r>
+              <a:rPr lang="en-US" altLang="en-US" sz="2400" dirty="0">
+                <a:latin typeface="Arial" panose="020B0604020202020204" pitchFamily="34" charset="0"/>
+              </a:rPr>
+              <a:t>Abbe Tags says which version of </a:t>
+            </a:r>
+            <a:r>
+              <a:rPr lang="en-US" altLang="en-US" sz="2400" dirty="0" err="1">
+                <a:latin typeface="Arial" panose="020B0604020202020204" pitchFamily="34" charset="0"/>
+              </a:rPr>
+              <a:t>kml</a:t>
+            </a:r>
+            <a:r>
+              <a:rPr lang="en-US" altLang="en-US" sz="2400" dirty="0">
+                <a:latin typeface="Arial" panose="020B0604020202020204" pitchFamily="34" charset="0"/>
+              </a:rPr>
+              <a:t> shall be used to a certain </a:t>
+            </a:r>
+            <a:r>
+              <a:rPr lang="en-US" altLang="en-US" sz="2400" dirty="0" err="1">
+                <a:latin typeface="Arial" panose="020B0604020202020204" pitchFamily="34" charset="0"/>
+              </a:rPr>
+              <a:t>kml</a:t>
+            </a:r>
+            <a:r>
+              <a:rPr lang="en-US" altLang="en-US" sz="2400" dirty="0">
+                <a:latin typeface="Arial" panose="020B0604020202020204" pitchFamily="34" charset="0"/>
+              </a:rPr>
+              <a:t> file.</a:t>
+            </a:r>
+          </a:p>
+          <a:p>
+            <a:r>
+              <a:rPr lang="en-US" altLang="en-US" sz="2400" dirty="0" err="1">
+                <a:latin typeface="Arial" panose="020B0604020202020204" pitchFamily="34" charset="0"/>
+              </a:rPr>
+              <a:t>Kml</a:t>
+            </a:r>
+            <a:r>
+              <a:rPr lang="en-US" altLang="en-US" sz="2400" dirty="0">
+                <a:latin typeface="Arial" panose="020B0604020202020204" pitchFamily="34" charset="0"/>
+              </a:rPr>
+              <a:t>: is the tag name</a:t>
+            </a:r>
+          </a:p>
+          <a:p>
+            <a:r>
+              <a:rPr lang="en-US" altLang="en-US" sz="2400" dirty="0" err="1">
+                <a:latin typeface="Arial" panose="020B0604020202020204" pitchFamily="34" charset="0"/>
+              </a:rPr>
+              <a:t>Xmlns:is</a:t>
+            </a:r>
+            <a:r>
+              <a:rPr lang="en-US" altLang="en-US" sz="2400" dirty="0">
+                <a:latin typeface="Arial" panose="020B0604020202020204" pitchFamily="34" charset="0"/>
+              </a:rPr>
+              <a:t> a attribute.</a:t>
+            </a:r>
+          </a:p>
+          <a:p>
+            <a:r>
+              <a:rPr lang="en-US" altLang="en-US" sz="2400" dirty="0">
+                <a:latin typeface="Arial" panose="020B0604020202020204" pitchFamily="34" charset="0"/>
+              </a:rPr>
+              <a:t>Attribute Format:</a:t>
+            </a:r>
+          </a:p>
+          <a:p>
+            <a:r>
+              <a:rPr lang="en-US" altLang="en-US" sz="2400" dirty="0">
+                <a:latin typeface="Arial" panose="020B0604020202020204" pitchFamily="34" charset="0"/>
+              </a:rPr>
+              <a:t>Each attribute is begin by a name and value of this is given by equal sign. Value of attribute always in string </a:t>
+            </a:r>
+            <a:r>
+              <a:rPr lang="en-US" altLang="en-US" sz="2400" dirty="0" err="1">
+                <a:latin typeface="Arial" panose="020B0604020202020204" pitchFamily="34" charset="0"/>
+              </a:rPr>
+              <a:t>format.That</a:t>
+            </a:r>
+            <a:r>
+              <a:rPr lang="en-US" altLang="en-US" sz="2400" dirty="0">
+                <a:latin typeface="Arial" panose="020B0604020202020204" pitchFamily="34" charset="0"/>
+              </a:rPr>
+              <a:t> is enclosed by “ ”.</a:t>
+            </a:r>
+            <a:endParaRPr lang="en-US" altLang="en-US" sz="6000" dirty="0">
+              <a:latin typeface="Arial" panose="020B0604020202020204" pitchFamily="34" charset="0"/>
+            </a:endParaRPr>
+          </a:p>
+        </p:txBody>
+      </p:sp>
+    </p:spTree>
+    <p:extLst>
+      <p:ext uri="{BB962C8B-B14F-4D97-AF65-F5344CB8AC3E}">
+        <p14:creationId xmlns:p14="http://schemas.microsoft.com/office/powerpoint/2010/main" val="1665996557"/>
+      </p:ext>
+    </p:extLst>
+  </p:cSld>
+  <p:clrMapOvr>
+    <a:masterClrMapping/>
+  </p:clrMapOvr>
+</p:sld>
+</file>
+
+<file path=ppt/slides/slide7.xml><?xml version="1.0" encoding="utf-8"?>
+<p:sld xmlns:a="http://schemas.openxmlformats.org/drawingml/2006/main" xmlns:r="http://schemas.openxmlformats.org/officeDocument/2006/relationships" xmlns:p="http://schemas.openxmlformats.org/presentationml/2006/main">
+  <p:cSld>
+    <p:spTree>
+      <p:nvGrpSpPr>
+        <p:cNvPr id="1" name=""/>
+        <p:cNvGrpSpPr/>
+        <p:nvPr/>
+      </p:nvGrpSpPr>
+      <p:grpSpPr>
+        <a:xfrm>
+          <a:off x="0" y="0"/>
+          <a:ext cx="0" cy="0"/>
+          <a:chOff x="0" y="0"/>
+          <a:chExt cx="0" cy="0"/>
+        </a:xfrm>
+      </p:grpSpPr>
+      <p:sp>
+        <p:nvSpPr>
+          <p:cNvPr id="2" name="TextBox 1">
+            <a:extLst>
+              <a:ext uri="{FF2B5EF4-FFF2-40B4-BE49-F238E27FC236}">
+                <a16:creationId xmlns:a16="http://schemas.microsoft.com/office/drawing/2014/main" id="{2CB3373B-A553-42D7-86D3-C731A4F933BF}"/>
+              </a:ext>
+            </a:extLst>
+          </p:cNvPr>
+          <p:cNvSpPr txBox="1"/>
+          <p:nvPr/>
+        </p:nvSpPr>
+        <p:spPr>
+          <a:xfrm>
+            <a:off x="-1205373" y="375201"/>
+            <a:ext cx="10176387" cy="646331"/>
+          </a:xfrm>
+          <a:prstGeom prst="rect">
+            <a:avLst/>
+          </a:prstGeom>
+          <a:noFill/>
+        </p:spPr>
+        <p:txBody>
+          <a:bodyPr wrap="square" rtlCol="0">
+            <a:spAutoFit/>
+          </a:bodyPr>
+          <a:lstStyle/>
+          <a:p>
+            <a:pPr algn="ctr"/>
+            <a:r>
+              <a:rPr lang="en-US" sz="3600" dirty="0"/>
+              <a:t>Creation of KML file on notepad</a:t>
+            </a:r>
+            <a:endParaRPr lang="en-US" sz="2800" b="1" dirty="0"/>
+          </a:p>
+        </p:txBody>
+      </p:sp>
+      <p:sp>
+        <p:nvSpPr>
+          <p:cNvPr id="4" name="Rectangle 3">
+            <a:extLst>
+              <a:ext uri="{FF2B5EF4-FFF2-40B4-BE49-F238E27FC236}">
+                <a16:creationId xmlns:a16="http://schemas.microsoft.com/office/drawing/2014/main" id="{90BF4B6F-26F9-4A63-B11E-3DE103CC1FD5}"/>
+              </a:ext>
+            </a:extLst>
+          </p:cNvPr>
+          <p:cNvSpPr/>
+          <p:nvPr/>
+        </p:nvSpPr>
+        <p:spPr>
+          <a:xfrm>
+            <a:off x="0" y="5949662"/>
+            <a:ext cx="12192000" cy="908337"/>
+          </a:xfrm>
+          <a:prstGeom prst="rect">
+            <a:avLst/>
+          </a:prstGeom>
+          <a:solidFill>
+            <a:schemeClr val="accent1"/>
+          </a:solidFill>
+        </p:spPr>
+        <p:style>
+          <a:lnRef idx="2">
+            <a:schemeClr val="accent1">
+              <a:shade val="50000"/>
+            </a:schemeClr>
+          </a:lnRef>
+          <a:fillRef idx="1">
+            <a:schemeClr val="accent1"/>
+          </a:fillRef>
+          <a:effectRef idx="0">
+            <a:schemeClr val="accent1"/>
+          </a:effectRef>
+          <a:fontRef idx="minor">
+            <a:schemeClr val="lt1"/>
+          </a:fontRef>
+        </p:style>
+        <p:txBody>
+          <a:bodyPr rtlCol="0" anchor="ctr"/>
+          <a:lstStyle/>
+          <a:p>
+            <a:pPr algn="ctr"/>
+            <a:endParaRPr lang="en-US" dirty="0"/>
+          </a:p>
+        </p:txBody>
+      </p:sp>
+      <p:pic>
+        <p:nvPicPr>
+          <p:cNvPr id="6" name="Picture 5">
+            <a:extLst>
+              <a:ext uri="{FF2B5EF4-FFF2-40B4-BE49-F238E27FC236}">
+                <a16:creationId xmlns:a16="http://schemas.microsoft.com/office/drawing/2014/main" id="{BF9B5DA1-5BC3-4118-868F-50A22FB78136}"/>
+              </a:ext>
+            </a:extLst>
+          </p:cNvPr>
+          <p:cNvPicPr>
+            <a:picLocks noChangeAspect="1"/>
+          </p:cNvPicPr>
+          <p:nvPr/>
+        </p:nvPicPr>
+        <p:blipFill>
+          <a:blip r:embed="rId2"/>
+          <a:stretch>
+            <a:fillRect/>
+          </a:stretch>
+        </p:blipFill>
+        <p:spPr>
+          <a:xfrm>
+            <a:off x="11261035" y="5959601"/>
+            <a:ext cx="930965" cy="908337"/>
+          </a:xfrm>
+          <a:prstGeom prst="rect">
+            <a:avLst/>
+          </a:prstGeom>
+        </p:spPr>
+      </p:pic>
+      <p:sp>
+        <p:nvSpPr>
+          <p:cNvPr id="7" name="TextBox 6">
+            <a:extLst>
+              <a:ext uri="{FF2B5EF4-FFF2-40B4-BE49-F238E27FC236}">
+                <a16:creationId xmlns:a16="http://schemas.microsoft.com/office/drawing/2014/main" id="{5397C601-3941-4420-B374-A1F4BC4BDCFC}"/>
+              </a:ext>
+            </a:extLst>
+          </p:cNvPr>
+          <p:cNvSpPr txBox="1"/>
+          <p:nvPr/>
+        </p:nvSpPr>
+        <p:spPr>
+          <a:xfrm>
+            <a:off x="805065" y="6042991"/>
+            <a:ext cx="10237304" cy="369332"/>
+          </a:xfrm>
+          <a:prstGeom prst="rect">
+            <a:avLst/>
+          </a:prstGeom>
+          <a:noFill/>
+        </p:spPr>
+        <p:txBody>
+          <a:bodyPr wrap="square" rtlCol="0">
+            <a:spAutoFit/>
+          </a:bodyPr>
+          <a:lstStyle/>
+          <a:p>
+            <a:pPr algn="r"/>
+            <a:r>
+              <a:rPr lang="en-US" dirty="0">
+                <a:solidFill>
+                  <a:schemeClr val="bg1"/>
+                </a:solidFill>
+                <a:latin typeface="Berlin Sans FB" panose="020E0602020502020306" pitchFamily="34" charset="0"/>
+              </a:rPr>
+              <a:t>Bangladesh Water Development Board (BWDB)</a:t>
+            </a:r>
+          </a:p>
+        </p:txBody>
+      </p:sp>
+      <p:sp>
+        <p:nvSpPr>
+          <p:cNvPr id="5" name="Rectangle 4"/>
+          <p:cNvSpPr/>
+          <p:nvPr/>
+        </p:nvSpPr>
+        <p:spPr>
+          <a:xfrm>
+            <a:off x="852921" y="1274117"/>
+            <a:ext cx="10486158" cy="4524315"/>
+          </a:xfrm>
+          <a:prstGeom prst="rect">
+            <a:avLst/>
+          </a:prstGeom>
+        </p:spPr>
+        <p:txBody>
+          <a:bodyPr wrap="square">
+            <a:spAutoFit/>
+          </a:bodyPr>
+          <a:lstStyle/>
+          <a:p>
+            <a:r>
+              <a:rPr lang="en-US" sz="2400" dirty="0"/>
+              <a:t>For the sake of brevity we shall create a KML file from scratch on notepad.</a:t>
+            </a:r>
+          </a:p>
+          <a:p>
+            <a:r>
+              <a:rPr lang="en-US" sz="2400" dirty="0" err="1"/>
+              <a:t>mawa</a:t>
+            </a:r>
+            <a:r>
+              <a:rPr lang="en-US" sz="2400" dirty="0"/>
+              <a:t> :23.470181, 90.264427,0 (lat,lon,altitude)</a:t>
+            </a:r>
+          </a:p>
+          <a:p>
+            <a:r>
+              <a:rPr lang="en-US" sz="2400" dirty="0" err="1"/>
+              <a:t>Jajira</a:t>
+            </a:r>
+            <a:r>
+              <a:rPr lang="en-US" sz="2400" dirty="0"/>
+              <a:t>: 23.442196, 90.261215,0 (lat,lon,altitude)</a:t>
+            </a:r>
+          </a:p>
+          <a:p>
+            <a:r>
+              <a:rPr lang="en-US" sz="2400" dirty="0"/>
+              <a:t>Goal Mark Two points and Connect them with a line.</a:t>
+            </a:r>
+          </a:p>
+          <a:p>
+            <a:endParaRPr lang="en-US" sz="2400" dirty="0"/>
+          </a:p>
+          <a:p>
+            <a:r>
+              <a:rPr lang="en-US" sz="2400" dirty="0"/>
+              <a:t>Open a note pad write: </a:t>
+            </a:r>
+          </a:p>
+          <a:p>
+            <a:r>
+              <a:rPr lang="en-US" sz="2400" dirty="0"/>
+              <a:t>&lt;?xml version="1.0" encoding="UTF-8"?&gt;</a:t>
+            </a:r>
+          </a:p>
+          <a:p>
+            <a:r>
+              <a:rPr lang="en-US" sz="2400" dirty="0"/>
+              <a:t>&lt;</a:t>
+            </a:r>
+            <a:r>
+              <a:rPr lang="en-US" sz="2400" dirty="0" err="1"/>
+              <a:t>kml</a:t>
+            </a:r>
+            <a:r>
+              <a:rPr lang="en-US" sz="2400" dirty="0"/>
+              <a:t> </a:t>
+            </a:r>
+            <a:r>
+              <a:rPr lang="en-US" sz="2400" dirty="0" err="1"/>
+              <a:t>xmlns</a:t>
+            </a:r>
+            <a:r>
+              <a:rPr lang="en-US" sz="2400" dirty="0"/>
+              <a:t>="http://www.opengis.net/kml/2.2"&gt; </a:t>
+            </a:r>
+          </a:p>
+          <a:p>
+            <a:r>
+              <a:rPr lang="en-US" sz="2400" dirty="0"/>
+              <a:t>&lt;Document&gt;</a:t>
+            </a:r>
+          </a:p>
+          <a:p>
+            <a:r>
+              <a:rPr lang="en-US" sz="2400" dirty="0"/>
+              <a:t>	&lt;name&gt;Padma Bridge&lt;/name&gt;</a:t>
+            </a:r>
+          </a:p>
+          <a:p>
+            <a:endParaRPr lang="en-US" sz="2400" dirty="0"/>
+          </a:p>
+          <a:p>
+            <a:r>
+              <a:rPr lang="en-US" sz="2400" dirty="0"/>
+              <a:t> </a:t>
+            </a:r>
+          </a:p>
+        </p:txBody>
+      </p:sp>
+    </p:spTree>
+    <p:extLst>
+      <p:ext uri="{BB962C8B-B14F-4D97-AF65-F5344CB8AC3E}">
+        <p14:creationId xmlns:p14="http://schemas.microsoft.com/office/powerpoint/2010/main" val="3812951333"/>
+      </p:ext>
+    </p:extLst>
+  </p:cSld>
+  <p:clrMapOvr>
+    <a:masterClrMapping/>
+  </p:clrMapOvr>
+</p:sld>
+</file>
+
+<file path=ppt/slides/slide8.xml><?xml version="1.0" encoding="utf-8"?>
+<p:sld xmlns:a="http://schemas.openxmlformats.org/drawingml/2006/main" xmlns:r="http://schemas.openxmlformats.org/officeDocument/2006/relationships" xmlns:p="http://schemas.openxmlformats.org/presentationml/2006/main">
+  <p:cSld>
+    <p:spTree>
+      <p:nvGrpSpPr>
+        <p:cNvPr id="1" name=""/>
+        <p:cNvGrpSpPr/>
+        <p:nvPr/>
+      </p:nvGrpSpPr>
+      <p:grpSpPr>
+        <a:xfrm>
+          <a:off x="0" y="0"/>
+          <a:ext cx="0" cy="0"/>
+          <a:chOff x="0" y="0"/>
+          <a:chExt cx="0" cy="0"/>
+        </a:xfrm>
+      </p:grpSpPr>
+      <p:sp>
+        <p:nvSpPr>
+          <p:cNvPr id="2" name="TextBox 1">
+            <a:extLst>
+              <a:ext uri="{FF2B5EF4-FFF2-40B4-BE49-F238E27FC236}">
+                <a16:creationId xmlns:a16="http://schemas.microsoft.com/office/drawing/2014/main" id="{2CB3373B-A553-42D7-86D3-C731A4F933BF}"/>
+              </a:ext>
+            </a:extLst>
+          </p:cNvPr>
+          <p:cNvSpPr txBox="1"/>
+          <p:nvPr/>
+        </p:nvSpPr>
+        <p:spPr>
+          <a:xfrm>
+            <a:off x="-1205373" y="375201"/>
+            <a:ext cx="10176387" cy="646331"/>
+          </a:xfrm>
+          <a:prstGeom prst="rect">
+            <a:avLst/>
+          </a:prstGeom>
+          <a:noFill/>
+        </p:spPr>
+        <p:txBody>
+          <a:bodyPr wrap="square" rtlCol="0">
+            <a:spAutoFit/>
+          </a:bodyPr>
+          <a:lstStyle/>
+          <a:p>
+            <a:pPr algn="ctr"/>
+            <a:r>
+              <a:rPr lang="en-US" sz="3600" dirty="0"/>
+              <a:t>Creation of KML file on notepad</a:t>
+            </a:r>
+            <a:endParaRPr lang="en-US" sz="2800" b="1" dirty="0"/>
+          </a:p>
+        </p:txBody>
+      </p:sp>
+      <p:sp>
+        <p:nvSpPr>
+          <p:cNvPr id="4" name="Rectangle 3">
+            <a:extLst>
+              <a:ext uri="{FF2B5EF4-FFF2-40B4-BE49-F238E27FC236}">
+                <a16:creationId xmlns:a16="http://schemas.microsoft.com/office/drawing/2014/main" id="{90BF4B6F-26F9-4A63-B11E-3DE103CC1FD5}"/>
+              </a:ext>
+            </a:extLst>
+          </p:cNvPr>
+          <p:cNvSpPr/>
+          <p:nvPr/>
+        </p:nvSpPr>
+        <p:spPr>
+          <a:xfrm>
+            <a:off x="0" y="5949662"/>
+            <a:ext cx="12192000" cy="908337"/>
+          </a:xfrm>
+          <a:prstGeom prst="rect">
+            <a:avLst/>
+          </a:prstGeom>
+          <a:solidFill>
+            <a:schemeClr val="accent1"/>
+          </a:solidFill>
+        </p:spPr>
+        <p:style>
+          <a:lnRef idx="2">
+            <a:schemeClr val="accent1">
+              <a:shade val="50000"/>
+            </a:schemeClr>
+          </a:lnRef>
+          <a:fillRef idx="1">
+            <a:schemeClr val="accent1"/>
+          </a:fillRef>
+          <a:effectRef idx="0">
+            <a:schemeClr val="accent1"/>
+          </a:effectRef>
+          <a:fontRef idx="minor">
+            <a:schemeClr val="lt1"/>
+          </a:fontRef>
+        </p:style>
+        <p:txBody>
+          <a:bodyPr rtlCol="0" anchor="ctr"/>
+          <a:lstStyle/>
+          <a:p>
+            <a:pPr algn="ctr"/>
+            <a:endParaRPr lang="en-US" dirty="0"/>
+          </a:p>
+        </p:txBody>
+      </p:sp>
+      <p:pic>
+        <p:nvPicPr>
+          <p:cNvPr id="6" name="Picture 5">
+            <a:extLst>
+              <a:ext uri="{FF2B5EF4-FFF2-40B4-BE49-F238E27FC236}">
+                <a16:creationId xmlns:a16="http://schemas.microsoft.com/office/drawing/2014/main" id="{BF9B5DA1-5BC3-4118-868F-50A22FB78136}"/>
+              </a:ext>
+            </a:extLst>
+          </p:cNvPr>
+          <p:cNvPicPr>
+            <a:picLocks noChangeAspect="1"/>
+          </p:cNvPicPr>
+          <p:nvPr/>
+        </p:nvPicPr>
+        <p:blipFill>
+          <a:blip r:embed="rId2"/>
+          <a:stretch>
+            <a:fillRect/>
+          </a:stretch>
+        </p:blipFill>
+        <p:spPr>
+          <a:xfrm>
+            <a:off x="11261035" y="5959601"/>
+            <a:ext cx="930965" cy="908337"/>
+          </a:xfrm>
+          <a:prstGeom prst="rect">
+            <a:avLst/>
+          </a:prstGeom>
+        </p:spPr>
+      </p:pic>
+      <p:sp>
+        <p:nvSpPr>
+          <p:cNvPr id="7" name="TextBox 6">
+            <a:extLst>
+              <a:ext uri="{FF2B5EF4-FFF2-40B4-BE49-F238E27FC236}">
+                <a16:creationId xmlns:a16="http://schemas.microsoft.com/office/drawing/2014/main" id="{5397C601-3941-4420-B374-A1F4BC4BDCFC}"/>
+              </a:ext>
+            </a:extLst>
+          </p:cNvPr>
+          <p:cNvSpPr txBox="1"/>
+          <p:nvPr/>
+        </p:nvSpPr>
+        <p:spPr>
+          <a:xfrm>
+            <a:off x="805065" y="6042991"/>
+            <a:ext cx="10237304" cy="369332"/>
+          </a:xfrm>
+          <a:prstGeom prst="rect">
+            <a:avLst/>
+          </a:prstGeom>
+          <a:noFill/>
+        </p:spPr>
+        <p:txBody>
+          <a:bodyPr wrap="square" rtlCol="0">
+            <a:spAutoFit/>
+          </a:bodyPr>
+          <a:lstStyle/>
+          <a:p>
+            <a:pPr algn="r"/>
+            <a:r>
+              <a:rPr lang="en-US" dirty="0">
+                <a:solidFill>
+                  <a:schemeClr val="bg1"/>
+                </a:solidFill>
+                <a:latin typeface="Berlin Sans FB" panose="020E0602020502020306" pitchFamily="34" charset="0"/>
+              </a:rPr>
+              <a:t>Bangladesh Water Development Board (BWDB)</a:t>
+            </a:r>
+          </a:p>
+        </p:txBody>
+      </p:sp>
+      <p:sp>
+        <p:nvSpPr>
+          <p:cNvPr id="5" name="Rectangle 4"/>
+          <p:cNvSpPr/>
+          <p:nvPr/>
+        </p:nvSpPr>
+        <p:spPr>
+          <a:xfrm>
+            <a:off x="852921" y="1274117"/>
+            <a:ext cx="10486158" cy="5262979"/>
+          </a:xfrm>
+          <a:prstGeom prst="rect">
+            <a:avLst/>
+          </a:prstGeom>
+        </p:spPr>
+        <p:txBody>
+          <a:bodyPr wrap="square">
+            <a:spAutoFit/>
+          </a:bodyPr>
+          <a:lstStyle/>
+          <a:p>
+            <a:r>
+              <a:rPr lang="en-US" sz="2400" dirty="0"/>
+              <a:t>	&lt;</a:t>
+            </a:r>
+            <a:r>
+              <a:rPr lang="en-US" sz="2400" dirty="0" err="1"/>
+              <a:t>Placemark</a:t>
+            </a:r>
+            <a:r>
+              <a:rPr lang="en-US" sz="2400" dirty="0"/>
+              <a:t>&gt;</a:t>
+            </a:r>
+          </a:p>
+          <a:p>
+            <a:r>
+              <a:rPr lang="en-US" sz="2400" dirty="0"/>
+              <a:t>       &lt;name&gt;</a:t>
+            </a:r>
+            <a:r>
+              <a:rPr lang="en-US" sz="2400" dirty="0" err="1"/>
+              <a:t>Mawa</a:t>
+            </a:r>
+            <a:r>
+              <a:rPr lang="en-US" sz="2400" dirty="0"/>
+              <a:t> End&lt;/name&gt;</a:t>
+            </a:r>
+          </a:p>
+          <a:p>
+            <a:r>
+              <a:rPr lang="en-US" sz="2400" dirty="0"/>
+              <a:t>		&lt;Point&gt;	&lt;coordinates&gt;90.26442699999998,23.470181,0 &lt;/coordinates&gt;</a:t>
+            </a:r>
+          </a:p>
+          <a:p>
+            <a:r>
+              <a:rPr lang="en-US" sz="2400" dirty="0"/>
+              <a:t>		&lt;/Point&gt;</a:t>
+            </a:r>
+          </a:p>
+          <a:p>
+            <a:r>
+              <a:rPr lang="en-US" sz="2400" dirty="0"/>
+              <a:t>	&lt;/</a:t>
+            </a:r>
+            <a:r>
+              <a:rPr lang="en-US" sz="2400" dirty="0" err="1"/>
+              <a:t>Placemark</a:t>
+            </a:r>
+            <a:r>
+              <a:rPr lang="en-US" sz="2400" dirty="0"/>
+              <a:t>&gt;</a:t>
+            </a:r>
+          </a:p>
+          <a:p>
+            <a:r>
+              <a:rPr lang="en-US" sz="2400" dirty="0"/>
+              <a:t>&lt;</a:t>
+            </a:r>
+            <a:r>
+              <a:rPr lang="en-US" sz="2400" dirty="0" err="1"/>
+              <a:t>Placemark</a:t>
+            </a:r>
+            <a:r>
+              <a:rPr lang="en-US" sz="2400" dirty="0"/>
+              <a:t>&gt;</a:t>
+            </a:r>
+          </a:p>
+          <a:p>
+            <a:r>
+              <a:rPr lang="en-US" sz="2400" dirty="0"/>
+              <a:t>	&lt;name&gt;</a:t>
+            </a:r>
+            <a:r>
+              <a:rPr lang="en-US" sz="2400" dirty="0" err="1"/>
+              <a:t>Jajira</a:t>
+            </a:r>
+            <a:r>
+              <a:rPr lang="en-US" sz="2400" dirty="0"/>
+              <a:t> End&lt;/name&gt;</a:t>
+            </a:r>
+          </a:p>
+          <a:p>
+            <a:r>
+              <a:rPr lang="en-US" sz="2400" dirty="0"/>
+              <a:t>	&lt;Point&gt;</a:t>
+            </a:r>
+          </a:p>
+          <a:p>
+            <a:r>
+              <a:rPr lang="en-US" sz="2400" dirty="0"/>
+              <a:t>	&lt;coordinates&gt; 90.261215,23.442196,0 &lt;/coordinates&gt;</a:t>
+            </a:r>
+          </a:p>
+          <a:p>
+            <a:r>
+              <a:rPr lang="en-US" sz="2400" dirty="0"/>
+              <a:t>	&lt;/Point&gt;</a:t>
+            </a:r>
+          </a:p>
+          <a:p>
+            <a:r>
+              <a:rPr lang="en-US" sz="2400" dirty="0"/>
+              <a:t>&lt;/</a:t>
+            </a:r>
+            <a:r>
+              <a:rPr lang="en-US" sz="2400" dirty="0" err="1"/>
+              <a:t>Placemark</a:t>
+            </a:r>
+            <a:r>
+              <a:rPr lang="en-US" sz="2400" dirty="0"/>
+              <a:t>&gt;</a:t>
+            </a:r>
+          </a:p>
+          <a:p>
+            <a:endParaRPr lang="en-US" sz="2400" dirty="0"/>
+          </a:p>
+          <a:p>
+            <a:r>
+              <a:rPr lang="en-US" sz="2400" dirty="0"/>
+              <a:t> </a:t>
+            </a:r>
+          </a:p>
+        </p:txBody>
+      </p:sp>
+    </p:spTree>
+    <p:extLst>
+      <p:ext uri="{BB962C8B-B14F-4D97-AF65-F5344CB8AC3E}">
+        <p14:creationId xmlns:p14="http://schemas.microsoft.com/office/powerpoint/2010/main" val="3141687679"/>
+      </p:ext>
+    </p:extLst>
+  </p:cSld>
+  <p:clrMapOvr>
+    <a:masterClrMapping/>
+  </p:clrMapOvr>
+</p:sld>
+</file>
+
+<file path=ppt/slides/slide9.xml><?xml version="1.0" encoding="utf-8"?>
+<p:sld xmlns:a="http://schemas.openxmlformats.org/drawingml/2006/main" xmlns:r="http://schemas.openxmlformats.org/officeDocument/2006/relationships" xmlns:p="http://schemas.openxmlformats.org/presentationml/2006/main">
+  <p:cSld>
+    <p:spTree>
+      <p:nvGrpSpPr>
+        <p:cNvPr id="1" name=""/>
+        <p:cNvGrpSpPr/>
+        <p:nvPr/>
+      </p:nvGrpSpPr>
+      <p:grpSpPr>
+        <a:xfrm>
+          <a:off x="0" y="0"/>
+          <a:ext cx="0" cy="0"/>
+          <a:chOff x="0" y="0"/>
+          <a:chExt cx="0" cy="0"/>
+        </a:xfrm>
+      </p:grpSpPr>
+      <p:sp>
+        <p:nvSpPr>
+          <p:cNvPr id="2" name="TextBox 1">
+            <a:extLst>
+              <a:ext uri="{FF2B5EF4-FFF2-40B4-BE49-F238E27FC236}">
+                <a16:creationId xmlns:a16="http://schemas.microsoft.com/office/drawing/2014/main" id="{2CB3373B-A553-42D7-86D3-C731A4F933BF}"/>
+              </a:ext>
+            </a:extLst>
+          </p:cNvPr>
+          <p:cNvSpPr txBox="1"/>
+          <p:nvPr/>
+        </p:nvSpPr>
+        <p:spPr>
+          <a:xfrm>
+            <a:off x="-1205373" y="375201"/>
+            <a:ext cx="10176387" cy="646331"/>
+          </a:xfrm>
+          <a:prstGeom prst="rect">
+            <a:avLst/>
+          </a:prstGeom>
+          <a:noFill/>
+        </p:spPr>
+        <p:txBody>
+          <a:bodyPr wrap="square" rtlCol="0">
+            <a:spAutoFit/>
+          </a:bodyPr>
+          <a:lstStyle/>
+          <a:p>
+            <a:pPr algn="ctr"/>
+            <a:r>
+              <a:rPr lang="en-US" sz="3600" dirty="0"/>
+              <a:t>Creation of KML file on notepad</a:t>
+            </a:r>
+            <a:endParaRPr lang="en-US" sz="2800" b="1" dirty="0"/>
+          </a:p>
+        </p:txBody>
+      </p:sp>
+      <p:sp>
+        <p:nvSpPr>
+          <p:cNvPr id="4" name="Rectangle 3">
+            <a:extLst>
+              <a:ext uri="{FF2B5EF4-FFF2-40B4-BE49-F238E27FC236}">
+                <a16:creationId xmlns:a16="http://schemas.microsoft.com/office/drawing/2014/main" id="{90BF4B6F-26F9-4A63-B11E-3DE103CC1FD5}"/>
+              </a:ext>
+            </a:extLst>
+          </p:cNvPr>
+          <p:cNvSpPr/>
+          <p:nvPr/>
+        </p:nvSpPr>
+        <p:spPr>
+          <a:xfrm>
+            <a:off x="0" y="5949662"/>
+            <a:ext cx="12192000" cy="908337"/>
+          </a:xfrm>
+          <a:prstGeom prst="rect">
+            <a:avLst/>
+          </a:prstGeom>
+          <a:solidFill>
+            <a:schemeClr val="accent1"/>
+          </a:solidFill>
+        </p:spPr>
+        <p:style>
+          <a:lnRef idx="2">
+            <a:schemeClr val="accent1">
+              <a:shade val="50000"/>
+            </a:schemeClr>
+          </a:lnRef>
+          <a:fillRef idx="1">
+            <a:schemeClr val="accent1"/>
+          </a:fillRef>
+          <a:effectRef idx="0">
+            <a:schemeClr val="accent1"/>
+          </a:effectRef>
+          <a:fontRef idx="minor">
+            <a:schemeClr val="lt1"/>
+          </a:fontRef>
+        </p:style>
+        <p:txBody>
+          <a:bodyPr rtlCol="0" anchor="ctr"/>
+          <a:lstStyle/>
+          <a:p>
+            <a:pPr algn="ctr"/>
+            <a:endParaRPr lang="en-US" dirty="0"/>
+          </a:p>
+        </p:txBody>
+      </p:sp>
+      <p:pic>
+        <p:nvPicPr>
+          <p:cNvPr id="6" name="Picture 5">
+            <a:extLst>
+              <a:ext uri="{FF2B5EF4-FFF2-40B4-BE49-F238E27FC236}">
+                <a16:creationId xmlns:a16="http://schemas.microsoft.com/office/drawing/2014/main" id="{BF9B5DA1-5BC3-4118-868F-50A22FB78136}"/>
+              </a:ext>
+            </a:extLst>
+          </p:cNvPr>
+          <p:cNvPicPr>
+            <a:picLocks noChangeAspect="1"/>
+          </p:cNvPicPr>
+          <p:nvPr/>
+        </p:nvPicPr>
+        <p:blipFill>
+          <a:blip r:embed="rId2"/>
+          <a:stretch>
+            <a:fillRect/>
+          </a:stretch>
+        </p:blipFill>
+        <p:spPr>
+          <a:xfrm>
+            <a:off x="11261035" y="5959601"/>
+            <a:ext cx="930965" cy="908337"/>
+          </a:xfrm>
+          <a:prstGeom prst="rect">
+            <a:avLst/>
+          </a:prstGeom>
+        </p:spPr>
+      </p:pic>
+      <p:sp>
+        <p:nvSpPr>
+          <p:cNvPr id="7" name="TextBox 6">
+            <a:extLst>
+              <a:ext uri="{FF2B5EF4-FFF2-40B4-BE49-F238E27FC236}">
+                <a16:creationId xmlns:a16="http://schemas.microsoft.com/office/drawing/2014/main" id="{5397C601-3941-4420-B374-A1F4BC4BDCFC}"/>
+              </a:ext>
+            </a:extLst>
+          </p:cNvPr>
+          <p:cNvSpPr txBox="1"/>
+          <p:nvPr/>
+        </p:nvSpPr>
+        <p:spPr>
+          <a:xfrm>
+            <a:off x="805065" y="6042991"/>
+            <a:ext cx="10237304" cy="369332"/>
+          </a:xfrm>
+          <a:prstGeom prst="rect">
+            <a:avLst/>
+          </a:prstGeom>
+          <a:noFill/>
+        </p:spPr>
+        <p:txBody>
+          <a:bodyPr wrap="square" rtlCol="0">
+            <a:spAutoFit/>
+          </a:bodyPr>
+          <a:lstStyle/>
+          <a:p>
+            <a:pPr algn="r"/>
+            <a:r>
+              <a:rPr lang="en-US" dirty="0">
+                <a:solidFill>
+                  <a:schemeClr val="bg1"/>
+                </a:solidFill>
+                <a:latin typeface="Berlin Sans FB" panose="020E0602020502020306" pitchFamily="34" charset="0"/>
+              </a:rPr>
+              <a:t>Bangladesh Water Development Board (BWDB)</a:t>
+            </a:r>
+          </a:p>
+        </p:txBody>
+      </p:sp>
+      <p:sp>
+        <p:nvSpPr>
+          <p:cNvPr id="5" name="Rectangle 4"/>
+          <p:cNvSpPr/>
+          <p:nvPr/>
+        </p:nvSpPr>
+        <p:spPr>
+          <a:xfrm>
+            <a:off x="852921" y="1274117"/>
+            <a:ext cx="10486158" cy="830997"/>
+          </a:xfrm>
+          <a:prstGeom prst="rect">
+            <a:avLst/>
+          </a:prstGeom>
+        </p:spPr>
+        <p:txBody>
+          <a:bodyPr wrap="square">
+            <a:spAutoFit/>
+          </a:bodyPr>
+          <a:lstStyle/>
+          <a:p>
+            <a:endParaRPr lang="en-US" sz="2400" dirty="0"/>
+          </a:p>
+          <a:p>
+            <a:r>
+              <a:rPr lang="en-US" sz="2400" dirty="0"/>
+              <a:t> </a:t>
+            </a:r>
+          </a:p>
+        </p:txBody>
+      </p:sp>
+      <p:sp>
+        <p:nvSpPr>
+          <p:cNvPr id="3" name="Rectangle 2"/>
+          <p:cNvSpPr/>
+          <p:nvPr/>
+        </p:nvSpPr>
+        <p:spPr>
+          <a:xfrm>
+            <a:off x="325315" y="1021532"/>
+            <a:ext cx="11201401" cy="3139321"/>
+          </a:xfrm>
+          <a:prstGeom prst="rect">
+            <a:avLst/>
+          </a:prstGeom>
+        </p:spPr>
+        <p:txBody>
+          <a:bodyPr wrap="square">
+            <a:spAutoFit/>
+          </a:bodyPr>
+          <a:lstStyle/>
+          <a:p>
+            <a:r>
+              <a:rPr lang="en-US" dirty="0"/>
+              <a:t>	&lt;</a:t>
+            </a:r>
+            <a:r>
+              <a:rPr lang="en-US" dirty="0" err="1"/>
+              <a:t>Placemark</a:t>
+            </a:r>
+            <a:r>
+              <a:rPr lang="en-US" dirty="0"/>
+              <a:t>&gt;</a:t>
+            </a:r>
+          </a:p>
+          <a:p>
+            <a:r>
+              <a:rPr lang="en-US" dirty="0"/>
+              <a:t>	&lt;name&gt;Bridge Line&lt;/name&gt;</a:t>
+            </a:r>
+          </a:p>
+          <a:p>
+            <a:r>
+              <a:rPr lang="en-US" dirty="0"/>
+              <a:t>	&lt;</a:t>
+            </a:r>
+            <a:r>
+              <a:rPr lang="en-US" dirty="0" err="1"/>
+              <a:t>LineString</a:t>
+            </a:r>
+            <a:r>
+              <a:rPr lang="en-US" dirty="0"/>
+              <a:t>&gt;</a:t>
+            </a:r>
+          </a:p>
+          <a:p>
+            <a:r>
+              <a:rPr lang="en-US" dirty="0"/>
+              <a:t>	&lt;coordinates&gt; </a:t>
+            </a:r>
+          </a:p>
+          <a:p>
+            <a:r>
+              <a:rPr lang="en-US" dirty="0"/>
+              <a:t>	90.26442699999998,23.470181,0</a:t>
+            </a:r>
+          </a:p>
+          <a:p>
+            <a:r>
+              <a:rPr lang="en-US" dirty="0"/>
+              <a:t>	90.261215,23.442196,0 </a:t>
+            </a:r>
+          </a:p>
+          <a:p>
+            <a:r>
+              <a:rPr lang="en-US" dirty="0"/>
+              <a:t>	</a:t>
+            </a:r>
+          </a:p>
+          <a:p>
+            <a:r>
+              <a:rPr lang="en-US" dirty="0"/>
+              <a:t>	</a:t>
+            </a:r>
+          </a:p>
+          <a:p>
+            <a:r>
+              <a:rPr lang="en-US" dirty="0"/>
+              <a:t>	&lt;/coordinates&gt;</a:t>
+            </a:r>
+          </a:p>
+          <a:p>
+            <a:r>
+              <a:rPr lang="en-US" dirty="0"/>
+              <a:t>	&lt;/</a:t>
+            </a:r>
+            <a:r>
+              <a:rPr lang="en-US" dirty="0" err="1"/>
+              <a:t>LineString</a:t>
+            </a:r>
+            <a:r>
+              <a:rPr lang="en-US" dirty="0"/>
+              <a:t>&gt;</a:t>
+            </a:r>
+          </a:p>
+          <a:p>
+            <a:r>
+              <a:rPr lang="en-US" dirty="0"/>
+              <a:t>	&lt;/</a:t>
+            </a:r>
+            <a:r>
+              <a:rPr lang="en-US" dirty="0" err="1"/>
+              <a:t>Placemark</a:t>
+            </a:r>
+            <a:r>
+              <a:rPr lang="en-US" dirty="0"/>
+              <a:t>&gt;</a:t>
+            </a:r>
+          </a:p>
+        </p:txBody>
+      </p:sp>
+    </p:spTree>
+    <p:extLst>
+      <p:ext uri="{BB962C8B-B14F-4D97-AF65-F5344CB8AC3E}">
+        <p14:creationId xmlns:p14="http://schemas.microsoft.com/office/powerpoint/2010/main" val="3418245552"/>
+      </p:ext>
+    </p:extLst>
+  </p:cSld>
+  <p:clrMapOvr>
+    <a:masterClrMapping/>
+  </p:clrMapOvr>
 </p:sld>
 </file>
 
